--- a/presentation.pptx
+++ b/presentation.pptx
@@ -5658,7 +5658,7 @@
               <a:ea typeface="+mn-ea"/>
               <a:cs typeface="+mn-cs"/>
             </a:rPr>
-            <a:t>Sub Concepts</a:t>
+            <a:t>Sub-Concepts</a:t>
           </a:r>
           <a:endParaRPr lang="zh-TW" dirty="0"/>
         </a:p>
@@ -5803,8 +5803,8 @@
         </a:p>
       </dgm:t>
     </dgm:pt>
-    <mc:AlternateContent xmlns:mc="http://schemas.openxmlformats.org/markup-compatibility/2006">
-      <mc:Choice xmlns:a14="http://schemas.microsoft.com/office/drawing/2010/main" Requires="a14">
+    <mc:AlternateContent xmlns:mc="http://schemas.openxmlformats.org/markup-compatibility/2006" xmlns:a14="http://schemas.microsoft.com/office/drawing/2010/main">
+      <mc:Choice Requires="a14">
         <dgm:pt modelId="{2C08368D-FB80-4EA7-8460-B8157F8B01AE}">
           <dgm:prSet/>
           <dgm:spPr/>
@@ -5836,7 +5836,7 @@
           </dgm:t>
         </dgm:pt>
       </mc:Choice>
-      <mc:Fallback>
+      <mc:Fallback xmlns="">
         <dgm:pt modelId="{2C08368D-FB80-4EA7-8460-B8157F8B01AE}">
           <dgm:prSet/>
           <dgm:spPr/>
@@ -6118,12 +6118,12 @@
     <dgm:cxn modelId="{18831958-5A1C-4F7A-8B9A-E126A044E2CE}" srcId="{9270810E-5EDA-493C-94A3-CD56D6BDC201}" destId="{5AF0176C-8F9A-4E8D-8D39-3FD43F45BE00}" srcOrd="2" destOrd="0" parTransId="{D76D0D31-B95C-40F3-B09A-0AD9ECC2545C}" sibTransId="{67008235-A7EA-41CE-AB48-C041D3044AE9}"/>
     <dgm:cxn modelId="{9C985163-145E-4E48-AAD0-A893132711D6}" type="presOf" srcId="{5AF0176C-8F9A-4E8D-8D39-3FD43F45BE00}" destId="{7755B4AC-4A8F-4EF2-9DCD-6704CD311665}" srcOrd="0" destOrd="0" presId="urn:microsoft.com/office/officeart/2005/8/layout/lProcess2#1"/>
     <dgm:cxn modelId="{304B3FEF-A04A-4EB6-B224-EBD06900C776}" srcId="{1E11E206-3F6C-4535-B4C2-1852A1175E7D}" destId="{9270810E-5EDA-493C-94A3-CD56D6BDC201}" srcOrd="1" destOrd="0" parTransId="{8AFFD4DB-1827-4550-B581-D6836D1A7B41}" sibTransId="{C6C5529E-8F47-4FCC-A5E6-616381E60A8A}"/>
+    <dgm:cxn modelId="{E98CB008-DA92-4775-A257-8C64B2A0568B}" type="presOf" srcId="{9270810E-5EDA-493C-94A3-CD56D6BDC201}" destId="{265B3E78-4722-4066-BE9F-8D4390368572}" srcOrd="1" destOrd="0" presId="urn:microsoft.com/office/officeart/2005/8/layout/lProcess2#1"/>
     <dgm:cxn modelId="{9ABADA07-EC10-43A3-B7C0-2351ABC71D3C}" type="presOf" srcId="{2C08368D-FB80-4EA7-8460-B8157F8B01AE}" destId="{1A58FB3C-35FD-40DE-B927-EDCC1C9F1B16}" srcOrd="0" destOrd="0" presId="urn:microsoft.com/office/officeart/2005/8/layout/lProcess2#1"/>
-    <dgm:cxn modelId="{E98CB008-DA92-4775-A257-8C64B2A0568B}" type="presOf" srcId="{9270810E-5EDA-493C-94A3-CD56D6BDC201}" destId="{265B3E78-4722-4066-BE9F-8D4390368572}" srcOrd="1" destOrd="0" presId="urn:microsoft.com/office/officeart/2005/8/layout/lProcess2#1"/>
     <dgm:cxn modelId="{EF9431CC-6512-4CC2-9561-18C32D1A27EB}" type="presOf" srcId="{4B2578D1-1315-46DD-B6BA-9146A0A1C441}" destId="{87270A9B-AA9D-4460-9C44-522AB853E0DF}" srcOrd="0" destOrd="0" presId="urn:microsoft.com/office/officeart/2005/8/layout/lProcess2#1"/>
     <dgm:cxn modelId="{A60058A4-EBE1-443D-823F-1C1CCFC17604}" type="presOf" srcId="{9270810E-5EDA-493C-94A3-CD56D6BDC201}" destId="{EBA1EFD1-9403-4F88-A908-BEEEB03E8DA4}" srcOrd="0" destOrd="0" presId="urn:microsoft.com/office/officeart/2005/8/layout/lProcess2#1"/>
+    <dgm:cxn modelId="{F90FF8BA-F5CA-4AA7-8BC4-CB98D4A4280C}" type="presOf" srcId="{6A69E878-6E4C-4840-B8F1-E395DA9854AF}" destId="{EDF72615-0715-4061-B359-9884AF0F7B16}" srcOrd="0" destOrd="0" presId="urn:microsoft.com/office/officeart/2005/8/layout/lProcess2#1"/>
     <dgm:cxn modelId="{B16CBB69-FDB7-4F16-97C4-B226DF2BFB7D}" srcId="{96F225B3-2268-4CB1-9A6D-DD3D78235A90}" destId="{4B2578D1-1315-46DD-B6BA-9146A0A1C441}" srcOrd="1" destOrd="0" parTransId="{A12853DA-1BCD-4E8B-AE78-EE8E162CF28F}" sibTransId="{9FC62461-0A64-433A-BAB6-E3B6FCE0DCFE}"/>
-    <dgm:cxn modelId="{F90FF8BA-F5CA-4AA7-8BC4-CB98D4A4280C}" type="presOf" srcId="{6A69E878-6E4C-4840-B8F1-E395DA9854AF}" destId="{EDF72615-0715-4061-B359-9884AF0F7B16}" srcOrd="0" destOrd="0" presId="urn:microsoft.com/office/officeart/2005/8/layout/lProcess2#1"/>
     <dgm:cxn modelId="{667C7982-07DA-481C-9497-BB8D1BD54CE6}" srcId="{1E11E206-3F6C-4535-B4C2-1852A1175E7D}" destId="{96F225B3-2268-4CB1-9A6D-DD3D78235A90}" srcOrd="0" destOrd="0" parTransId="{BB73B217-FF8F-4C8F-8CD2-4750708F0382}" sibTransId="{F7D5E32B-2816-47FB-95E5-01C708BBC493}"/>
     <dgm:cxn modelId="{9EA8DAC3-2185-4A2D-9705-DB47A8335031}" type="presParOf" srcId="{BE1D709F-8426-4CD6-B91E-B5566C2FC9D6}" destId="{A1743508-3CBA-4827-9A78-16420F60F8B8}" srcOrd="0" destOrd="0" presId="urn:microsoft.com/office/officeart/2005/8/layout/lProcess2#1"/>
     <dgm:cxn modelId="{AC810310-91F2-4892-8F4B-4CEB59C2036A}" type="presParOf" srcId="{A1743508-3CBA-4827-9A78-16420F60F8B8}" destId="{F146003F-8059-4D47-80D9-9DBB8BBD625E}" srcOrd="0" destOrd="0" presId="urn:microsoft.com/office/officeart/2005/8/layout/lProcess2#1"/>
@@ -6221,7 +6221,7 @@
               <a:ea typeface="+mn-ea"/>
               <a:cs typeface="+mn-cs"/>
             </a:rPr>
-            <a:t>Sub Concepts</a:t>
+            <a:t>Sub-Concepts</a:t>
           </a:r>
           <a:endParaRPr lang="zh-TW" dirty="0"/>
         </a:p>
@@ -6642,12 +6642,12 @@
     <dgm:cxn modelId="{18831958-5A1C-4F7A-8B9A-E126A044E2CE}" srcId="{9270810E-5EDA-493C-94A3-CD56D6BDC201}" destId="{5AF0176C-8F9A-4E8D-8D39-3FD43F45BE00}" srcOrd="2" destOrd="0" parTransId="{D76D0D31-B95C-40F3-B09A-0AD9ECC2545C}" sibTransId="{67008235-A7EA-41CE-AB48-C041D3044AE9}"/>
     <dgm:cxn modelId="{9C985163-145E-4E48-AAD0-A893132711D6}" type="presOf" srcId="{5AF0176C-8F9A-4E8D-8D39-3FD43F45BE00}" destId="{7755B4AC-4A8F-4EF2-9DCD-6704CD311665}" srcOrd="0" destOrd="0" presId="urn:microsoft.com/office/officeart/2005/8/layout/lProcess2#1"/>
     <dgm:cxn modelId="{304B3FEF-A04A-4EB6-B224-EBD06900C776}" srcId="{1E11E206-3F6C-4535-B4C2-1852A1175E7D}" destId="{9270810E-5EDA-493C-94A3-CD56D6BDC201}" srcOrd="1" destOrd="0" parTransId="{8AFFD4DB-1827-4550-B581-D6836D1A7B41}" sibTransId="{C6C5529E-8F47-4FCC-A5E6-616381E60A8A}"/>
+    <dgm:cxn modelId="{E98CB008-DA92-4775-A257-8C64B2A0568B}" type="presOf" srcId="{9270810E-5EDA-493C-94A3-CD56D6BDC201}" destId="{265B3E78-4722-4066-BE9F-8D4390368572}" srcOrd="1" destOrd="0" presId="urn:microsoft.com/office/officeart/2005/8/layout/lProcess2#1"/>
     <dgm:cxn modelId="{9ABADA07-EC10-43A3-B7C0-2351ABC71D3C}" type="presOf" srcId="{2C08368D-FB80-4EA7-8460-B8157F8B01AE}" destId="{1A58FB3C-35FD-40DE-B927-EDCC1C9F1B16}" srcOrd="0" destOrd="0" presId="urn:microsoft.com/office/officeart/2005/8/layout/lProcess2#1"/>
-    <dgm:cxn modelId="{E98CB008-DA92-4775-A257-8C64B2A0568B}" type="presOf" srcId="{9270810E-5EDA-493C-94A3-CD56D6BDC201}" destId="{265B3E78-4722-4066-BE9F-8D4390368572}" srcOrd="1" destOrd="0" presId="urn:microsoft.com/office/officeart/2005/8/layout/lProcess2#1"/>
     <dgm:cxn modelId="{EF9431CC-6512-4CC2-9561-18C32D1A27EB}" type="presOf" srcId="{4B2578D1-1315-46DD-B6BA-9146A0A1C441}" destId="{87270A9B-AA9D-4460-9C44-522AB853E0DF}" srcOrd="0" destOrd="0" presId="urn:microsoft.com/office/officeart/2005/8/layout/lProcess2#1"/>
     <dgm:cxn modelId="{A60058A4-EBE1-443D-823F-1C1CCFC17604}" type="presOf" srcId="{9270810E-5EDA-493C-94A3-CD56D6BDC201}" destId="{EBA1EFD1-9403-4F88-A908-BEEEB03E8DA4}" srcOrd="0" destOrd="0" presId="urn:microsoft.com/office/officeart/2005/8/layout/lProcess2#1"/>
+    <dgm:cxn modelId="{F90FF8BA-F5CA-4AA7-8BC4-CB98D4A4280C}" type="presOf" srcId="{6A69E878-6E4C-4840-B8F1-E395DA9854AF}" destId="{EDF72615-0715-4061-B359-9884AF0F7B16}" srcOrd="0" destOrd="0" presId="urn:microsoft.com/office/officeart/2005/8/layout/lProcess2#1"/>
     <dgm:cxn modelId="{B16CBB69-FDB7-4F16-97C4-B226DF2BFB7D}" srcId="{96F225B3-2268-4CB1-9A6D-DD3D78235A90}" destId="{4B2578D1-1315-46DD-B6BA-9146A0A1C441}" srcOrd="1" destOrd="0" parTransId="{A12853DA-1BCD-4E8B-AE78-EE8E162CF28F}" sibTransId="{9FC62461-0A64-433A-BAB6-E3B6FCE0DCFE}"/>
-    <dgm:cxn modelId="{F90FF8BA-F5CA-4AA7-8BC4-CB98D4A4280C}" type="presOf" srcId="{6A69E878-6E4C-4840-B8F1-E395DA9854AF}" destId="{EDF72615-0715-4061-B359-9884AF0F7B16}" srcOrd="0" destOrd="0" presId="urn:microsoft.com/office/officeart/2005/8/layout/lProcess2#1"/>
     <dgm:cxn modelId="{667C7982-07DA-481C-9497-BB8D1BD54CE6}" srcId="{1E11E206-3F6C-4535-B4C2-1852A1175E7D}" destId="{96F225B3-2268-4CB1-9A6D-DD3D78235A90}" srcOrd="0" destOrd="0" parTransId="{BB73B217-FF8F-4C8F-8CD2-4750708F0382}" sibTransId="{F7D5E32B-2816-47FB-95E5-01C708BBC493}"/>
     <dgm:cxn modelId="{9EA8DAC3-2185-4A2D-9705-DB47A8335031}" type="presParOf" srcId="{BE1D709F-8426-4CD6-B91E-B5566C2FC9D6}" destId="{A1743508-3CBA-4827-9A78-16420F60F8B8}" srcOrd="0" destOrd="0" presId="urn:microsoft.com/office/officeart/2005/8/layout/lProcess2#1"/>
     <dgm:cxn modelId="{AC810310-91F2-4892-8F4B-4CEB59C2036A}" type="presParOf" srcId="{A1743508-3CBA-4827-9A78-16420F60F8B8}" destId="{F146003F-8059-4D47-80D9-9DBB8BBD625E}" srcOrd="0" destOrd="0" presId="urn:microsoft.com/office/officeart/2005/8/layout/lProcess2#1"/>
@@ -6757,7 +6757,11 @@
           </a:r>
           <a:r>
             <a:rPr lang="en-US" altLang="zh-TW" dirty="0" smtClean="0"/>
-            <a:t>: Find the Relationship</a:t>
+            <a:t>: Find the </a:t>
+          </a:r>
+          <a:r>
+            <a:rPr lang="en-US" altLang="zh-TW" dirty="0" smtClean="0"/>
+            <a:t>Relationships</a:t>
           </a:r>
           <a:endParaRPr lang="zh-TW" dirty="0"/>
         </a:p>
@@ -6801,7 +6805,11 @@
           </a:r>
           <a:r>
             <a:rPr lang="en-US" altLang="zh-TW" dirty="0" smtClean="0"/>
-            <a:t>Find the Relationship</a:t>
+            <a:t>Find the </a:t>
+          </a:r>
+          <a:r>
+            <a:rPr lang="en-US" altLang="zh-TW" dirty="0" smtClean="0"/>
+            <a:t>Relationships</a:t>
           </a:r>
           <a:endParaRPr lang="zh-TW" dirty="0"/>
         </a:p>
@@ -6841,7 +6849,7 @@
               <a:ea typeface="+mn-ea"/>
               <a:cs typeface="+mn-cs"/>
             </a:rPr>
-            <a:t>Complete</a:t>
+            <a:t>Completion</a:t>
           </a:r>
           <a:endParaRPr lang="zh-TW" dirty="0"/>
         </a:p>
@@ -6965,8 +6973,8 @@
     <dgm:cxn modelId="{EB056C2F-FDF1-458D-98EE-93EC4699136C}" type="presOf" srcId="{3067D422-6457-44E1-A642-F660805CB472}" destId="{7EE725D8-20E2-4A22-95B6-D24E228F672F}" srcOrd="0" destOrd="0" presId="urn:microsoft.com/office/officeart/2005/8/layout/process4#1"/>
     <dgm:cxn modelId="{1CADF3AE-C6C4-4E4A-9A26-D0576DC74441}" type="presOf" srcId="{9259B59C-792E-4CA8-B1E0-B33DC9080563}" destId="{C5584186-AECA-48DF-B0DC-7CDF9F546B41}" srcOrd="0" destOrd="0" presId="urn:microsoft.com/office/officeart/2005/8/layout/process4#1"/>
     <dgm:cxn modelId="{918B8BA9-2AA9-49EA-B347-D9C5DB2DF706}" srcId="{8096E04E-1E46-4AF7-A16A-DDC9FDB66DC3}" destId="{3067D422-6457-44E1-A642-F660805CB472}" srcOrd="0" destOrd="0" parTransId="{28582786-BD85-499E-B8BE-240A7743D695}" sibTransId="{DCEB284F-E2B6-4109-A942-D0D95D911D3B}"/>
+    <dgm:cxn modelId="{442BF8F6-F4E2-47AC-B6FA-232A2508B9E5}" srcId="{8096E04E-1E46-4AF7-A16A-DDC9FDB66DC3}" destId="{9259B59C-792E-4CA8-B1E0-B33DC9080563}" srcOrd="1" destOrd="0" parTransId="{B7EE836B-70A5-4E4D-B223-C0F615076680}" sibTransId="{516C6B61-1B13-45EF-B7EA-93C81A210711}"/>
     <dgm:cxn modelId="{E561DA4F-90AC-4705-8315-07C06F2F53B6}" type="presOf" srcId="{8096E04E-1E46-4AF7-A16A-DDC9FDB66DC3}" destId="{6095CD52-EFD9-42D4-AF38-91DFE56A438C}" srcOrd="0" destOrd="0" presId="urn:microsoft.com/office/officeart/2005/8/layout/process4#1"/>
-    <dgm:cxn modelId="{442BF8F6-F4E2-47AC-B6FA-232A2508B9E5}" srcId="{8096E04E-1E46-4AF7-A16A-DDC9FDB66DC3}" destId="{9259B59C-792E-4CA8-B1E0-B33DC9080563}" srcOrd="1" destOrd="0" parTransId="{B7EE836B-70A5-4E4D-B223-C0F615076680}" sibTransId="{516C6B61-1B13-45EF-B7EA-93C81A210711}"/>
     <dgm:cxn modelId="{7E6EF184-3B0B-400A-836A-4D193C102D4F}" srcId="{8096E04E-1E46-4AF7-A16A-DDC9FDB66DC3}" destId="{95D8AF2A-AF24-415A-80F9-34462F2D060E}" srcOrd="2" destOrd="0" parTransId="{0AD112B1-4B5F-4506-B557-0FBA54470530}" sibTransId="{8171CE03-E82E-4F6A-87C8-B74FB0C9A468}"/>
     <dgm:cxn modelId="{67A5F8D4-1157-4914-AA16-8F5F272CF87D}" type="presOf" srcId="{D834E3BD-03E5-4C32-A08E-7D8D64961ED4}" destId="{9D19CD67-811C-4D81-80D1-5C199FCED338}" srcOrd="0" destOrd="0" presId="urn:microsoft.com/office/officeart/2005/8/layout/process4#1"/>
     <dgm:cxn modelId="{67BF55D0-2893-4D8C-8457-A7A9258C80A7}" type="presParOf" srcId="{6095CD52-EFD9-42D4-AF38-91DFE56A438C}" destId="{9F41B7F1-1786-4321-90A4-C72448BDB5BD}" srcOrd="0" destOrd="0" presId="urn:microsoft.com/office/officeart/2005/8/layout/process4#1"/>
@@ -7073,7 +7081,11 @@
           </a:r>
           <a:r>
             <a:rPr lang="en-US" altLang="zh-TW" dirty="0" smtClean="0"/>
-            <a:t>: Find the Relationship</a:t>
+            <a:t>: Find the </a:t>
+          </a:r>
+          <a:r>
+            <a:rPr lang="en-US" altLang="zh-TW" dirty="0" smtClean="0"/>
+            <a:t>Relationships</a:t>
           </a:r>
           <a:endParaRPr lang="zh-TW" dirty="0"/>
         </a:p>
@@ -7117,7 +7129,11 @@
           </a:r>
           <a:r>
             <a:rPr lang="en-US" altLang="zh-TW" dirty="0" smtClean="0"/>
-            <a:t>Find the Relationship</a:t>
+            <a:t>Find the </a:t>
+          </a:r>
+          <a:r>
+            <a:rPr lang="en-US" altLang="zh-TW" dirty="0" smtClean="0"/>
+            <a:t>Relationships</a:t>
           </a:r>
           <a:endParaRPr lang="zh-TW" dirty="0"/>
         </a:p>
@@ -7157,7 +7173,7 @@
               <a:ea typeface="+mn-ea"/>
               <a:cs typeface="+mn-cs"/>
             </a:rPr>
-            <a:t>Complete</a:t>
+            <a:t>Completion</a:t>
           </a:r>
           <a:endParaRPr lang="zh-TW" dirty="0"/>
         </a:p>
@@ -7276,15 +7292,15 @@
     </dgm:pt>
   </dgm:ptLst>
   <dgm:cxnLst>
+    <dgm:cxn modelId="{1BA751E6-919D-45D3-8964-2E346737B49E}" type="presOf" srcId="{3067D422-6457-44E1-A642-F660805CB472}" destId="{7EE725D8-20E2-4A22-95B6-D24E228F672F}" srcOrd="0" destOrd="0" presId="urn:microsoft.com/office/officeart/2005/8/layout/process4#1"/>
+    <dgm:cxn modelId="{3AB3FDB4-5CA6-4CE0-A263-7CF4449A049E}" type="presOf" srcId="{95D8AF2A-AF24-415A-80F9-34462F2D060E}" destId="{D9459C83-93CA-4ACA-8B77-029242E791FF}" srcOrd="0" destOrd="0" presId="urn:microsoft.com/office/officeart/2005/8/layout/process4#1"/>
+    <dgm:cxn modelId="{FA4BE518-934F-43EE-8F93-406D035625D8}" type="presOf" srcId="{D834E3BD-03E5-4C32-A08E-7D8D64961ED4}" destId="{9D19CD67-811C-4D81-80D1-5C199FCED338}" srcOrd="0" destOrd="0" presId="urn:microsoft.com/office/officeart/2005/8/layout/process4#1"/>
+    <dgm:cxn modelId="{918B8BA9-2AA9-49EA-B347-D9C5DB2DF706}" srcId="{8096E04E-1E46-4AF7-A16A-DDC9FDB66DC3}" destId="{3067D422-6457-44E1-A642-F660805CB472}" srcOrd="0" destOrd="0" parTransId="{28582786-BD85-499E-B8BE-240A7743D695}" sibTransId="{DCEB284F-E2B6-4109-A942-D0D95D911D3B}"/>
     <dgm:cxn modelId="{C0946C15-E5ED-4C4E-B68B-F70217848D10}" srcId="{8096E04E-1E46-4AF7-A16A-DDC9FDB66DC3}" destId="{D834E3BD-03E5-4C32-A08E-7D8D64961ED4}" srcOrd="3" destOrd="0" parTransId="{D169A77C-BC45-4220-BD4B-AD99CAD75CBB}" sibTransId="{CA6F3C55-FB74-4C93-BD7F-CD921D70F810}"/>
-    <dgm:cxn modelId="{0460BC42-DC80-4269-936D-E9511B1E55FB}" type="presOf" srcId="{8096E04E-1E46-4AF7-A16A-DDC9FDB66DC3}" destId="{6095CD52-EFD9-42D4-AF38-91DFE56A438C}" srcOrd="0" destOrd="0" presId="urn:microsoft.com/office/officeart/2005/8/layout/process4#1"/>
-    <dgm:cxn modelId="{FA4BE518-934F-43EE-8F93-406D035625D8}" type="presOf" srcId="{D834E3BD-03E5-4C32-A08E-7D8D64961ED4}" destId="{9D19CD67-811C-4D81-80D1-5C199FCED338}" srcOrd="0" destOrd="0" presId="urn:microsoft.com/office/officeart/2005/8/layout/process4#1"/>
-    <dgm:cxn modelId="{1BA751E6-919D-45D3-8964-2E346737B49E}" type="presOf" srcId="{3067D422-6457-44E1-A642-F660805CB472}" destId="{7EE725D8-20E2-4A22-95B6-D24E228F672F}" srcOrd="0" destOrd="0" presId="urn:microsoft.com/office/officeart/2005/8/layout/process4#1"/>
-    <dgm:cxn modelId="{918B8BA9-2AA9-49EA-B347-D9C5DB2DF706}" srcId="{8096E04E-1E46-4AF7-A16A-DDC9FDB66DC3}" destId="{3067D422-6457-44E1-A642-F660805CB472}" srcOrd="0" destOrd="0" parTransId="{28582786-BD85-499E-B8BE-240A7743D695}" sibTransId="{DCEB284F-E2B6-4109-A942-D0D95D911D3B}"/>
     <dgm:cxn modelId="{442BF8F6-F4E2-47AC-B6FA-232A2508B9E5}" srcId="{8096E04E-1E46-4AF7-A16A-DDC9FDB66DC3}" destId="{9259B59C-792E-4CA8-B1E0-B33DC9080563}" srcOrd="1" destOrd="0" parTransId="{B7EE836B-70A5-4E4D-B223-C0F615076680}" sibTransId="{516C6B61-1B13-45EF-B7EA-93C81A210711}"/>
     <dgm:cxn modelId="{7E6EF184-3B0B-400A-836A-4D193C102D4F}" srcId="{8096E04E-1E46-4AF7-A16A-DDC9FDB66DC3}" destId="{95D8AF2A-AF24-415A-80F9-34462F2D060E}" srcOrd="2" destOrd="0" parTransId="{0AD112B1-4B5F-4506-B557-0FBA54470530}" sibTransId="{8171CE03-E82E-4F6A-87C8-B74FB0C9A468}"/>
-    <dgm:cxn modelId="{3AB3FDB4-5CA6-4CE0-A263-7CF4449A049E}" type="presOf" srcId="{95D8AF2A-AF24-415A-80F9-34462F2D060E}" destId="{D9459C83-93CA-4ACA-8B77-029242E791FF}" srcOrd="0" destOrd="0" presId="urn:microsoft.com/office/officeart/2005/8/layout/process4#1"/>
     <dgm:cxn modelId="{AFC19AF4-BB0F-4ECD-BFE2-D0CE1310F314}" type="presOf" srcId="{9259B59C-792E-4CA8-B1E0-B33DC9080563}" destId="{C5584186-AECA-48DF-B0DC-7CDF9F546B41}" srcOrd="0" destOrd="0" presId="urn:microsoft.com/office/officeart/2005/8/layout/process4#1"/>
+    <dgm:cxn modelId="{0460BC42-DC80-4269-936D-E9511B1E55FB}" type="presOf" srcId="{8096E04E-1E46-4AF7-A16A-DDC9FDB66DC3}" destId="{6095CD52-EFD9-42D4-AF38-91DFE56A438C}" srcOrd="0" destOrd="0" presId="urn:microsoft.com/office/officeart/2005/8/layout/process4#1"/>
     <dgm:cxn modelId="{4DF3B33F-41C2-4181-9A72-DC7FA40BB120}" type="presParOf" srcId="{6095CD52-EFD9-42D4-AF38-91DFE56A438C}" destId="{9F41B7F1-1786-4321-90A4-C72448BDB5BD}" srcOrd="0" destOrd="0" presId="urn:microsoft.com/office/officeart/2005/8/layout/process4#1"/>
     <dgm:cxn modelId="{C4BB7286-92A0-4C27-9861-23CC5ABB54CF}" type="presParOf" srcId="{9F41B7F1-1786-4321-90A4-C72448BDB5BD}" destId="{9D19CD67-811C-4D81-80D1-5C199FCED338}" srcOrd="0" destOrd="0" presId="urn:microsoft.com/office/officeart/2005/8/layout/process4#1"/>
     <dgm:cxn modelId="{E82AB8AF-A58A-4311-BEB5-6188BF745103}" type="presParOf" srcId="{6095CD52-EFD9-42D4-AF38-91DFE56A438C}" destId="{3EBEA3E0-A57D-437D-9569-D668EA82B4A0}" srcOrd="1" destOrd="0" presId="urn:microsoft.com/office/officeart/2005/8/layout/process4#1"/>
@@ -7389,7 +7405,11 @@
           </a:r>
           <a:r>
             <a:rPr lang="en-US" altLang="zh-TW" dirty="0" smtClean="0"/>
-            <a:t>: Find the Relationship</a:t>
+            <a:t>: Find the </a:t>
+          </a:r>
+          <a:r>
+            <a:rPr lang="en-US" altLang="zh-TW" dirty="0" smtClean="0"/>
+            <a:t>Relationships</a:t>
           </a:r>
           <a:endParaRPr lang="zh-TW" dirty="0"/>
         </a:p>
@@ -7437,7 +7457,11 @@
           </a:r>
           <a:r>
             <a:rPr lang="en-US" altLang="zh-TW" dirty="0" smtClean="0"/>
-            <a:t>Find the Relationship</a:t>
+            <a:t>Find the </a:t>
+          </a:r>
+          <a:r>
+            <a:rPr lang="en-US" altLang="zh-TW" dirty="0" smtClean="0"/>
+            <a:t>Relationships</a:t>
           </a:r>
           <a:endParaRPr lang="zh-TW" dirty="0"/>
         </a:p>
@@ -7477,7 +7501,7 @@
               <a:ea typeface="+mn-ea"/>
               <a:cs typeface="+mn-cs"/>
             </a:rPr>
-            <a:t>Complete</a:t>
+            <a:t>Completion</a:t>
           </a:r>
           <a:endParaRPr lang="zh-TW" dirty="0"/>
         </a:p>
@@ -7596,15 +7620,15 @@
     </dgm:pt>
   </dgm:ptLst>
   <dgm:cxnLst>
+    <dgm:cxn modelId="{90DA5F90-E822-4E28-B9C1-8E567A2F6769}" type="presOf" srcId="{95D8AF2A-AF24-415A-80F9-34462F2D060E}" destId="{D9459C83-93CA-4ACA-8B77-029242E791FF}" srcOrd="0" destOrd="0" presId="urn:microsoft.com/office/officeart/2005/8/layout/process4#1"/>
     <dgm:cxn modelId="{FA931880-759B-4289-ABD8-50751B0FF627}" type="presOf" srcId="{9259B59C-792E-4CA8-B1E0-B33DC9080563}" destId="{C5584186-AECA-48DF-B0DC-7CDF9F546B41}" srcOrd="0" destOrd="0" presId="urn:microsoft.com/office/officeart/2005/8/layout/process4#1"/>
+    <dgm:cxn modelId="{C0946C15-E5ED-4C4E-B68B-F70217848D10}" srcId="{8096E04E-1E46-4AF7-A16A-DDC9FDB66DC3}" destId="{D834E3BD-03E5-4C32-A08E-7D8D64961ED4}" srcOrd="3" destOrd="0" parTransId="{D169A77C-BC45-4220-BD4B-AD99CAD75CBB}" sibTransId="{CA6F3C55-FB74-4C93-BD7F-CD921D70F810}"/>
+    <dgm:cxn modelId="{83850174-3D25-4232-BFE9-23E57C31037B}" type="presOf" srcId="{8096E04E-1E46-4AF7-A16A-DDC9FDB66DC3}" destId="{6095CD52-EFD9-42D4-AF38-91DFE56A438C}" srcOrd="0" destOrd="0" presId="urn:microsoft.com/office/officeart/2005/8/layout/process4#1"/>
+    <dgm:cxn modelId="{F55C19A2-A577-4B34-9F73-72EA2379E7CD}" type="presOf" srcId="{D834E3BD-03E5-4C32-A08E-7D8D64961ED4}" destId="{9D19CD67-811C-4D81-80D1-5C199FCED338}" srcOrd="0" destOrd="0" presId="urn:microsoft.com/office/officeart/2005/8/layout/process4#1"/>
+    <dgm:cxn modelId="{918B8BA9-2AA9-49EA-B347-D9C5DB2DF706}" srcId="{8096E04E-1E46-4AF7-A16A-DDC9FDB66DC3}" destId="{3067D422-6457-44E1-A642-F660805CB472}" srcOrd="0" destOrd="0" parTransId="{28582786-BD85-499E-B8BE-240A7743D695}" sibTransId="{DCEB284F-E2B6-4109-A942-D0D95D911D3B}"/>
+    <dgm:cxn modelId="{7E6EF184-3B0B-400A-836A-4D193C102D4F}" srcId="{8096E04E-1E46-4AF7-A16A-DDC9FDB66DC3}" destId="{95D8AF2A-AF24-415A-80F9-34462F2D060E}" srcOrd="2" destOrd="0" parTransId="{0AD112B1-4B5F-4506-B557-0FBA54470530}" sibTransId="{8171CE03-E82E-4F6A-87C8-B74FB0C9A468}"/>
     <dgm:cxn modelId="{C7CF1BE4-D04D-481F-A5B1-4FB9C892D408}" type="presOf" srcId="{3067D422-6457-44E1-A642-F660805CB472}" destId="{7EE725D8-20E2-4A22-95B6-D24E228F672F}" srcOrd="0" destOrd="0" presId="urn:microsoft.com/office/officeart/2005/8/layout/process4#1"/>
-    <dgm:cxn modelId="{918B8BA9-2AA9-49EA-B347-D9C5DB2DF706}" srcId="{8096E04E-1E46-4AF7-A16A-DDC9FDB66DC3}" destId="{3067D422-6457-44E1-A642-F660805CB472}" srcOrd="0" destOrd="0" parTransId="{28582786-BD85-499E-B8BE-240A7743D695}" sibTransId="{DCEB284F-E2B6-4109-A942-D0D95D911D3B}"/>
-    <dgm:cxn modelId="{90DA5F90-E822-4E28-B9C1-8E567A2F6769}" type="presOf" srcId="{95D8AF2A-AF24-415A-80F9-34462F2D060E}" destId="{D9459C83-93CA-4ACA-8B77-029242E791FF}" srcOrd="0" destOrd="0" presId="urn:microsoft.com/office/officeart/2005/8/layout/process4#1"/>
-    <dgm:cxn modelId="{C0946C15-E5ED-4C4E-B68B-F70217848D10}" srcId="{8096E04E-1E46-4AF7-A16A-DDC9FDB66DC3}" destId="{D834E3BD-03E5-4C32-A08E-7D8D64961ED4}" srcOrd="3" destOrd="0" parTransId="{D169A77C-BC45-4220-BD4B-AD99CAD75CBB}" sibTransId="{CA6F3C55-FB74-4C93-BD7F-CD921D70F810}"/>
     <dgm:cxn modelId="{442BF8F6-F4E2-47AC-B6FA-232A2508B9E5}" srcId="{8096E04E-1E46-4AF7-A16A-DDC9FDB66DC3}" destId="{9259B59C-792E-4CA8-B1E0-B33DC9080563}" srcOrd="1" destOrd="0" parTransId="{B7EE836B-70A5-4E4D-B223-C0F615076680}" sibTransId="{516C6B61-1B13-45EF-B7EA-93C81A210711}"/>
-    <dgm:cxn modelId="{F55C19A2-A577-4B34-9F73-72EA2379E7CD}" type="presOf" srcId="{D834E3BD-03E5-4C32-A08E-7D8D64961ED4}" destId="{9D19CD67-811C-4D81-80D1-5C199FCED338}" srcOrd="0" destOrd="0" presId="urn:microsoft.com/office/officeart/2005/8/layout/process4#1"/>
-    <dgm:cxn modelId="{7E6EF184-3B0B-400A-836A-4D193C102D4F}" srcId="{8096E04E-1E46-4AF7-A16A-DDC9FDB66DC3}" destId="{95D8AF2A-AF24-415A-80F9-34462F2D060E}" srcOrd="2" destOrd="0" parTransId="{0AD112B1-4B5F-4506-B557-0FBA54470530}" sibTransId="{8171CE03-E82E-4F6A-87C8-B74FB0C9A468}"/>
-    <dgm:cxn modelId="{83850174-3D25-4232-BFE9-23E57C31037B}" type="presOf" srcId="{8096E04E-1E46-4AF7-A16A-DDC9FDB66DC3}" destId="{6095CD52-EFD9-42D4-AF38-91DFE56A438C}" srcOrd="0" destOrd="0" presId="urn:microsoft.com/office/officeart/2005/8/layout/process4#1"/>
     <dgm:cxn modelId="{EFF4AB95-2651-4861-9F8E-EF5A1AAD8416}" type="presParOf" srcId="{6095CD52-EFD9-42D4-AF38-91DFE56A438C}" destId="{9F41B7F1-1786-4321-90A4-C72448BDB5BD}" srcOrd="0" destOrd="0" presId="urn:microsoft.com/office/officeart/2005/8/layout/process4#1"/>
     <dgm:cxn modelId="{6EF0E6ED-8A4F-4F53-9E1F-2300E2DE2478}" type="presParOf" srcId="{9F41B7F1-1786-4321-90A4-C72448BDB5BD}" destId="{9D19CD67-811C-4D81-80D1-5C199FCED338}" srcOrd="0" destOrd="0" presId="urn:microsoft.com/office/officeart/2005/8/layout/process4#1"/>
     <dgm:cxn modelId="{276DB9FE-E7B5-4406-B10C-84853D6EFC9E}" type="presParOf" srcId="{6095CD52-EFD9-42D4-AF38-91DFE56A438C}" destId="{3EBEA3E0-A57D-437D-9569-D668EA82B4A0}" srcOrd="1" destOrd="0" presId="urn:microsoft.com/office/officeart/2005/8/layout/process4#1"/>
@@ -7705,7 +7729,11 @@
           </a:r>
           <a:r>
             <a:rPr lang="en-US" altLang="zh-TW" dirty="0" smtClean="0"/>
-            <a:t>: Find the Relationship</a:t>
+            <a:t>: Find the </a:t>
+          </a:r>
+          <a:r>
+            <a:rPr lang="en-US" altLang="zh-TW" dirty="0" smtClean="0"/>
+            <a:t>Relationships</a:t>
           </a:r>
           <a:endParaRPr lang="zh-TW" dirty="0"/>
         </a:p>
@@ -7749,7 +7777,11 @@
           </a:r>
           <a:r>
             <a:rPr lang="en-US" altLang="zh-TW" dirty="0" smtClean="0"/>
-            <a:t>Find the Relationship</a:t>
+            <a:t>Find the </a:t>
+          </a:r>
+          <a:r>
+            <a:rPr lang="en-US" altLang="zh-TW" dirty="0" smtClean="0"/>
+            <a:t>Relationships</a:t>
           </a:r>
           <a:endParaRPr lang="zh-TW" dirty="0"/>
         </a:p>
@@ -7793,7 +7825,7 @@
               <a:ea typeface="+mn-ea"/>
               <a:cs typeface="+mn-cs"/>
             </a:rPr>
-            <a:t>Complete</a:t>
+            <a:t>Completion</a:t>
           </a:r>
           <a:endParaRPr lang="zh-TW" dirty="0"/>
         </a:p>
@@ -7912,15 +7944,15 @@
     </dgm:pt>
   </dgm:ptLst>
   <dgm:cxnLst>
+    <dgm:cxn modelId="{9E68974F-BA50-4058-9755-BA7390C453B6}" type="presOf" srcId="{95D8AF2A-AF24-415A-80F9-34462F2D060E}" destId="{D9459C83-93CA-4ACA-8B77-029242E791FF}" srcOrd="0" destOrd="0" presId="urn:microsoft.com/office/officeart/2005/8/layout/process4#1"/>
+    <dgm:cxn modelId="{F1560C99-1C16-445B-A7EB-03FB103EFC25}" type="presOf" srcId="{D834E3BD-03E5-4C32-A08E-7D8D64961ED4}" destId="{9D19CD67-811C-4D81-80D1-5C199FCED338}" srcOrd="0" destOrd="0" presId="urn:microsoft.com/office/officeart/2005/8/layout/process4#1"/>
     <dgm:cxn modelId="{44EEE491-B274-40CD-B66C-0DFF5A7FB778}" type="presOf" srcId="{3067D422-6457-44E1-A642-F660805CB472}" destId="{7EE725D8-20E2-4A22-95B6-D24E228F672F}" srcOrd="0" destOrd="0" presId="urn:microsoft.com/office/officeart/2005/8/layout/process4#1"/>
     <dgm:cxn modelId="{918B8BA9-2AA9-49EA-B347-D9C5DB2DF706}" srcId="{8096E04E-1E46-4AF7-A16A-DDC9FDB66DC3}" destId="{3067D422-6457-44E1-A642-F660805CB472}" srcOrd="0" destOrd="0" parTransId="{28582786-BD85-499E-B8BE-240A7743D695}" sibTransId="{DCEB284F-E2B6-4109-A942-D0D95D911D3B}"/>
+    <dgm:cxn modelId="{4DAAD09C-A0D0-4D25-959C-63E39D3A3DEE}" type="presOf" srcId="{8096E04E-1E46-4AF7-A16A-DDC9FDB66DC3}" destId="{6095CD52-EFD9-42D4-AF38-91DFE56A438C}" srcOrd="0" destOrd="0" presId="urn:microsoft.com/office/officeart/2005/8/layout/process4#1"/>
+    <dgm:cxn modelId="{C0946C15-E5ED-4C4E-B68B-F70217848D10}" srcId="{8096E04E-1E46-4AF7-A16A-DDC9FDB66DC3}" destId="{D834E3BD-03E5-4C32-A08E-7D8D64961ED4}" srcOrd="3" destOrd="0" parTransId="{D169A77C-BC45-4220-BD4B-AD99CAD75CBB}" sibTransId="{CA6F3C55-FB74-4C93-BD7F-CD921D70F810}"/>
+    <dgm:cxn modelId="{442BF8F6-F4E2-47AC-B6FA-232A2508B9E5}" srcId="{8096E04E-1E46-4AF7-A16A-DDC9FDB66DC3}" destId="{9259B59C-792E-4CA8-B1E0-B33DC9080563}" srcOrd="1" destOrd="0" parTransId="{B7EE836B-70A5-4E4D-B223-C0F615076680}" sibTransId="{516C6B61-1B13-45EF-B7EA-93C81A210711}"/>
     <dgm:cxn modelId="{7E6EF184-3B0B-400A-836A-4D193C102D4F}" srcId="{8096E04E-1E46-4AF7-A16A-DDC9FDB66DC3}" destId="{95D8AF2A-AF24-415A-80F9-34462F2D060E}" srcOrd="2" destOrd="0" parTransId="{0AD112B1-4B5F-4506-B557-0FBA54470530}" sibTransId="{8171CE03-E82E-4F6A-87C8-B74FB0C9A468}"/>
-    <dgm:cxn modelId="{C0946C15-E5ED-4C4E-B68B-F70217848D10}" srcId="{8096E04E-1E46-4AF7-A16A-DDC9FDB66DC3}" destId="{D834E3BD-03E5-4C32-A08E-7D8D64961ED4}" srcOrd="3" destOrd="0" parTransId="{D169A77C-BC45-4220-BD4B-AD99CAD75CBB}" sibTransId="{CA6F3C55-FB74-4C93-BD7F-CD921D70F810}"/>
-    <dgm:cxn modelId="{9E68974F-BA50-4058-9755-BA7390C453B6}" type="presOf" srcId="{95D8AF2A-AF24-415A-80F9-34462F2D060E}" destId="{D9459C83-93CA-4ACA-8B77-029242E791FF}" srcOrd="0" destOrd="0" presId="urn:microsoft.com/office/officeart/2005/8/layout/process4#1"/>
     <dgm:cxn modelId="{F22CFF71-3900-4D49-9BEA-C3F5B14F6FA6}" type="presOf" srcId="{9259B59C-792E-4CA8-B1E0-B33DC9080563}" destId="{C5584186-AECA-48DF-B0DC-7CDF9F546B41}" srcOrd="0" destOrd="0" presId="urn:microsoft.com/office/officeart/2005/8/layout/process4#1"/>
-    <dgm:cxn modelId="{442BF8F6-F4E2-47AC-B6FA-232A2508B9E5}" srcId="{8096E04E-1E46-4AF7-A16A-DDC9FDB66DC3}" destId="{9259B59C-792E-4CA8-B1E0-B33DC9080563}" srcOrd="1" destOrd="0" parTransId="{B7EE836B-70A5-4E4D-B223-C0F615076680}" sibTransId="{516C6B61-1B13-45EF-B7EA-93C81A210711}"/>
-    <dgm:cxn modelId="{F1560C99-1C16-445B-A7EB-03FB103EFC25}" type="presOf" srcId="{D834E3BD-03E5-4C32-A08E-7D8D64961ED4}" destId="{9D19CD67-811C-4D81-80D1-5C199FCED338}" srcOrd="0" destOrd="0" presId="urn:microsoft.com/office/officeart/2005/8/layout/process4#1"/>
-    <dgm:cxn modelId="{4DAAD09C-A0D0-4D25-959C-63E39D3A3DEE}" type="presOf" srcId="{8096E04E-1E46-4AF7-A16A-DDC9FDB66DC3}" destId="{6095CD52-EFD9-42D4-AF38-91DFE56A438C}" srcOrd="0" destOrd="0" presId="urn:microsoft.com/office/officeart/2005/8/layout/process4#1"/>
     <dgm:cxn modelId="{316FC8DA-3275-41F2-AE87-1981AE6A6776}" type="presParOf" srcId="{6095CD52-EFD9-42D4-AF38-91DFE56A438C}" destId="{9F41B7F1-1786-4321-90A4-C72448BDB5BD}" srcOrd="0" destOrd="0" presId="urn:microsoft.com/office/officeart/2005/8/layout/process4#1"/>
     <dgm:cxn modelId="{FD544136-02B0-4ADE-9381-5ECFD6924A0E}" type="presParOf" srcId="{9F41B7F1-1786-4321-90A4-C72448BDB5BD}" destId="{9D19CD67-811C-4D81-80D1-5C199FCED338}" srcOrd="0" destOrd="0" presId="urn:microsoft.com/office/officeart/2005/8/layout/process4#1"/>
     <dgm:cxn modelId="{AB46DB5D-3779-4E57-9291-09D11A092872}" type="presParOf" srcId="{6095CD52-EFD9-42D4-AF38-91DFE56A438C}" destId="{3EBEA3E0-A57D-437D-9569-D668EA82B4A0}" srcOrd="1" destOrd="0" presId="urn:microsoft.com/office/officeart/2005/8/layout/process4#1"/>
@@ -8089,11 +8121,11 @@
     </dgm:pt>
   </dgm:ptLst>
   <dgm:cxnLst>
+    <dgm:cxn modelId="{07B0672A-1F42-4464-970E-190EF65D5AF4}" type="presOf" srcId="{2654E278-C52D-4FC1-B63F-01A3EA264927}" destId="{0A932FA0-4CF2-4A47-A9E5-C1A045D9DA4F}" srcOrd="0" destOrd="0" presId="urn:microsoft.com/office/officeart/2005/8/layout/hList6#1"/>
+    <dgm:cxn modelId="{029E5605-D3BE-4168-A565-6F290CF8AFE8}" type="presOf" srcId="{77CD3496-3AF3-4332-8B7C-45AA3CE368C7}" destId="{2DBFB35B-F833-4E9C-A12E-A3376AB4F394}" srcOrd="0" destOrd="0" presId="urn:microsoft.com/office/officeart/2005/8/layout/hList6#1"/>
     <dgm:cxn modelId="{4CFBB0BF-4BC4-4C48-A2C4-54AB1D004104}" srcId="{77CD3496-3AF3-4332-8B7C-45AA3CE368C7}" destId="{2654E278-C52D-4FC1-B63F-01A3EA264927}" srcOrd="0" destOrd="0" parTransId="{A263C302-C000-4E1C-B615-208DEF56C9F5}" sibTransId="{151E2960-8519-4946-BBE3-50E03AFF8B81}"/>
+    <dgm:cxn modelId="{B4E3276F-57B9-4358-B314-A1615F8E8F84}" type="presOf" srcId="{2FDE1719-8446-4585-9D03-FC5CF2A63F8E}" destId="{BD047AB2-47B5-4DE0-8267-27E7F1DA84CC}" srcOrd="0" destOrd="0" presId="urn:microsoft.com/office/officeart/2005/8/layout/hList6#1"/>
     <dgm:cxn modelId="{9D145984-011C-41B6-8C22-D8432E1D43A2}" srcId="{77CD3496-3AF3-4332-8B7C-45AA3CE368C7}" destId="{2FDE1719-8446-4585-9D03-FC5CF2A63F8E}" srcOrd="1" destOrd="0" parTransId="{9AB3AEB5-90F5-4CC0-ADA6-F9E09A0ECE6F}" sibTransId="{9FD58DE4-C335-4830-8353-6F8AD364BAAA}"/>
-    <dgm:cxn modelId="{029E5605-D3BE-4168-A565-6F290CF8AFE8}" type="presOf" srcId="{77CD3496-3AF3-4332-8B7C-45AA3CE368C7}" destId="{2DBFB35B-F833-4E9C-A12E-A3376AB4F394}" srcOrd="0" destOrd="0" presId="urn:microsoft.com/office/officeart/2005/8/layout/hList6#1"/>
-    <dgm:cxn modelId="{07B0672A-1F42-4464-970E-190EF65D5AF4}" type="presOf" srcId="{2654E278-C52D-4FC1-B63F-01A3EA264927}" destId="{0A932FA0-4CF2-4A47-A9E5-C1A045D9DA4F}" srcOrd="0" destOrd="0" presId="urn:microsoft.com/office/officeart/2005/8/layout/hList6#1"/>
-    <dgm:cxn modelId="{B4E3276F-57B9-4358-B314-A1615F8E8F84}" type="presOf" srcId="{2FDE1719-8446-4585-9D03-FC5CF2A63F8E}" destId="{BD047AB2-47B5-4DE0-8267-27E7F1DA84CC}" srcOrd="0" destOrd="0" presId="urn:microsoft.com/office/officeart/2005/8/layout/hList6#1"/>
     <dgm:cxn modelId="{5BB74D70-5000-4F5E-B5E0-EB50BBF8044A}" type="presParOf" srcId="{2DBFB35B-F833-4E9C-A12E-A3376AB4F394}" destId="{0A932FA0-4CF2-4A47-A9E5-C1A045D9DA4F}" srcOrd="0" destOrd="0" presId="urn:microsoft.com/office/officeart/2005/8/layout/hList6#1"/>
     <dgm:cxn modelId="{57AB6279-26A4-4CAA-A65A-747C3C260A1A}" type="presParOf" srcId="{2DBFB35B-F833-4E9C-A12E-A3376AB4F394}" destId="{B4015BA3-87D5-4886-BB3C-8130C5644E32}" srcOrd="1" destOrd="0" presId="urn:microsoft.com/office/officeart/2005/8/layout/hList6#1"/>
     <dgm:cxn modelId="{EE78BECA-8574-43CC-8FFA-F3424F4C2C5E}" type="presParOf" srcId="{2DBFB35B-F833-4E9C-A12E-A3376AB4F394}" destId="{BD047AB2-47B5-4DE0-8267-27E7F1DA84CC}" srcOrd="2" destOrd="0" presId="urn:microsoft.com/office/officeart/2005/8/layout/hList6#1"/>
@@ -8640,7 +8672,7 @@
               <a:ea typeface="+mn-ea"/>
               <a:cs typeface="+mn-cs"/>
             </a:rPr>
-            <a:t>Sub Concepts</a:t>
+            <a:t>Sub-Concepts</a:t>
           </a:r>
           <a:endParaRPr lang="zh-TW" sz="3000" kern="1200" dirty="0"/>
         </a:p>
@@ -9145,7 +9177,7 @@
               <a:ea typeface="+mn-ea"/>
               <a:cs typeface="+mn-cs"/>
             </a:rPr>
-            <a:t>Complete</a:t>
+            <a:t>Completion</a:t>
           </a:r>
           <a:endParaRPr lang="zh-TW" sz="2300" kern="1200" dirty="0"/>
         </a:p>
@@ -9229,7 +9261,11 @@
           </a:r>
           <a:r>
             <a:rPr lang="en-US" altLang="zh-TW" sz="2300" kern="1200" dirty="0" smtClean="0"/>
-            <a:t>Find the Relationship</a:t>
+            <a:t>Find the </a:t>
+          </a:r>
+          <a:r>
+            <a:rPr lang="en-US" altLang="zh-TW" sz="2300" kern="1200" dirty="0" smtClean="0"/>
+            <a:t>Relationships</a:t>
           </a:r>
           <a:endParaRPr lang="zh-TW" sz="2300" kern="1200" dirty="0"/>
         </a:p>
@@ -9310,7 +9346,11 @@
           </a:r>
           <a:r>
             <a:rPr lang="en-US" altLang="zh-TW" sz="2300" kern="1200" dirty="0" smtClean="0"/>
-            <a:t>: Find the Relationship</a:t>
+            <a:t>: Find the </a:t>
+          </a:r>
+          <a:r>
+            <a:rPr lang="en-US" altLang="zh-TW" sz="2300" kern="1200" dirty="0" smtClean="0"/>
+            <a:t>Relationships</a:t>
           </a:r>
           <a:endParaRPr lang="zh-TW" sz="2300" kern="1200" dirty="0"/>
         </a:p>
@@ -9484,7 +9524,7 @@
               <a:ea typeface="+mn-ea"/>
               <a:cs typeface="+mn-cs"/>
             </a:rPr>
-            <a:t>Complete</a:t>
+            <a:t>Completion</a:t>
           </a:r>
           <a:endParaRPr lang="zh-TW" sz="2300" kern="1200" dirty="0"/>
         </a:p>
@@ -9568,7 +9608,11 @@
           </a:r>
           <a:r>
             <a:rPr lang="en-US" altLang="zh-TW" sz="2300" kern="1200" dirty="0" smtClean="0"/>
-            <a:t>Find the Relationship</a:t>
+            <a:t>Find the </a:t>
+          </a:r>
+          <a:r>
+            <a:rPr lang="en-US" altLang="zh-TW" sz="2300" kern="1200" dirty="0" smtClean="0"/>
+            <a:t>Relationships</a:t>
           </a:r>
           <a:endParaRPr lang="zh-TW" sz="2300" kern="1200" dirty="0"/>
         </a:p>
@@ -9644,7 +9688,11 @@
           </a:r>
           <a:r>
             <a:rPr lang="en-US" altLang="zh-TW" sz="2300" kern="1200" dirty="0" smtClean="0"/>
-            <a:t>: Find the Relationship</a:t>
+            <a:t>: Find the </a:t>
+          </a:r>
+          <a:r>
+            <a:rPr lang="en-US" altLang="zh-TW" sz="2300" kern="1200" dirty="0" smtClean="0"/>
+            <a:t>Relationships</a:t>
           </a:r>
           <a:endParaRPr lang="zh-TW" sz="2300" kern="1200" dirty="0"/>
         </a:p>
@@ -9818,7 +9866,7 @@
               <a:ea typeface="+mn-ea"/>
               <a:cs typeface="+mn-cs"/>
             </a:rPr>
-            <a:t>Complete</a:t>
+            <a:t>Completion</a:t>
           </a:r>
           <a:endParaRPr lang="zh-TW" sz="2300" kern="1200" dirty="0"/>
         </a:p>
@@ -9897,7 +9945,11 @@
           </a:r>
           <a:r>
             <a:rPr lang="en-US" altLang="zh-TW" sz="2300" kern="1200" dirty="0" smtClean="0"/>
-            <a:t>Find the Relationship</a:t>
+            <a:t>Find the </a:t>
+          </a:r>
+          <a:r>
+            <a:rPr lang="en-US" altLang="zh-TW" sz="2300" kern="1200" dirty="0" smtClean="0"/>
+            <a:t>Relationships</a:t>
           </a:r>
           <a:endParaRPr lang="zh-TW" sz="2300" kern="1200" dirty="0"/>
         </a:p>
@@ -9973,7 +10025,11 @@
           </a:r>
           <a:r>
             <a:rPr lang="en-US" altLang="zh-TW" sz="2300" kern="1200" dirty="0" smtClean="0"/>
-            <a:t>: Find the Relationship</a:t>
+            <a:t>: Find the </a:t>
+          </a:r>
+          <a:r>
+            <a:rPr lang="en-US" altLang="zh-TW" sz="2300" kern="1200" dirty="0" smtClean="0"/>
+            <a:t>Relationships</a:t>
           </a:r>
           <a:endParaRPr lang="zh-TW" sz="2300" kern="1200" dirty="0"/>
         </a:p>
@@ -10142,7 +10198,7 @@
               <a:ea typeface="+mn-ea"/>
               <a:cs typeface="+mn-cs"/>
             </a:rPr>
-            <a:t>Complete</a:t>
+            <a:t>Completion</a:t>
           </a:r>
           <a:endParaRPr lang="zh-TW" sz="2300" kern="1200" dirty="0"/>
         </a:p>
@@ -10226,7 +10282,11 @@
           </a:r>
           <a:r>
             <a:rPr lang="en-US" altLang="zh-TW" sz="2300" kern="1200" dirty="0" smtClean="0"/>
-            <a:t>Find the Relationship</a:t>
+            <a:t>Find the </a:t>
+          </a:r>
+          <a:r>
+            <a:rPr lang="en-US" altLang="zh-TW" sz="2300" kern="1200" dirty="0" smtClean="0"/>
+            <a:t>Relationships</a:t>
           </a:r>
           <a:endParaRPr lang="zh-TW" sz="2300" kern="1200" dirty="0"/>
         </a:p>
@@ -10307,7 +10367,11 @@
           </a:r>
           <a:r>
             <a:rPr lang="en-US" altLang="zh-TW" sz="2300" kern="1200" dirty="0" smtClean="0"/>
-            <a:t>: Find the Relationship</a:t>
+            <a:t>: Find the </a:t>
+          </a:r>
+          <a:r>
+            <a:rPr lang="en-US" altLang="zh-TW" sz="2300" kern="1200" dirty="0" smtClean="0"/>
+            <a:t>Relationships</a:t>
           </a:r>
           <a:endParaRPr lang="zh-TW" sz="2300" kern="1200" dirty="0"/>
         </a:p>
@@ -19572,7 +19636,7 @@
           </a:lstStyle>
           <a:p>
             <a:fld id="{925A17EF-115B-4BB9-BF42-426DFD9E898A}" type="datetimeFigureOut">
-              <a:t>2016/8/17</a:t>
+              <a:t>2016/8/18</a:t>
             </a:fld>
             <a:endParaRPr lang="zh-TW"/>
           </a:p>
@@ -20058,7 +20122,7 @@
             <a:pPr algn="r"/>
             <a:fld id="{A2E209FB-7A34-414B-812A-BCC5C4256F49}" type="datetime1">
               <a:pPr algn="r"/>
-              <a:t>2016/8/17</a:t>
+              <a:t>2016/8/18</a:t>
             </a:fld>
             <a:endParaRPr lang="zh-TW" sz="1000"/>
           </a:p>
@@ -20144,13 +20208,13 @@
   <p:clrMapOvr>
     <a:masterClrMapping/>
   </p:clrMapOvr>
-  <mc:AlternateContent xmlns:mc="http://schemas.openxmlformats.org/markup-compatibility/2006">
-    <mc:Choice xmlns:p14="http://schemas.microsoft.com/office/powerpoint/2010/main" Requires="p14">
+  <mc:AlternateContent xmlns:mc="http://schemas.openxmlformats.org/markup-compatibility/2006" xmlns:p14="http://schemas.microsoft.com/office/powerpoint/2010/main">
+    <mc:Choice Requires="p14">
       <p:transition spd="slow" p14:dur="1200">
         <p14:prism/>
       </p:transition>
     </mc:Choice>
-    <mc:Fallback>
+    <mc:Fallback xmlns="">
       <p:transition spd="slow">
         <p:fade/>
       </p:transition>
@@ -20283,7 +20347,7 @@
           <a:p>
             <a:fld id="{543322F5-8315-491F-87B4-2E3F0268E3B6}" type="datetime1">
               <a:pPr/>
-              <a:t>2016/8/17</a:t>
+              <a:t>2016/8/18</a:t>
             </a:fld>
             <a:endParaRPr lang="zh-TW"/>
           </a:p>
@@ -20341,13 +20405,13 @@
   <p:clrMapOvr>
     <a:masterClrMapping/>
   </p:clrMapOvr>
-  <mc:AlternateContent xmlns:mc="http://schemas.openxmlformats.org/markup-compatibility/2006">
-    <mc:Choice xmlns:p14="http://schemas.microsoft.com/office/powerpoint/2010/main" Requires="p14">
+  <mc:AlternateContent xmlns:mc="http://schemas.openxmlformats.org/markup-compatibility/2006" xmlns:p14="http://schemas.microsoft.com/office/powerpoint/2010/main">
+    <mc:Choice Requires="p14">
       <p:transition spd="slow" p14:dur="1200">
         <p14:prism/>
       </p:transition>
     </mc:Choice>
-    <mc:Fallback>
+    <mc:Fallback xmlns="">
       <p:transition spd="slow">
         <p:fade/>
       </p:transition>
@@ -20536,7 +20600,7 @@
           <a:p>
             <a:fld id="{CAC850C8-E7C9-4F2C-A162-59CF68B1B13C}" type="datetime1">
               <a:pPr/>
-              <a:t>2016/8/17</a:t>
+              <a:t>2016/8/18</a:t>
             </a:fld>
             <a:endParaRPr lang="zh-TW"/>
           </a:p>
@@ -20824,13 +20888,13 @@
   <p:clrMapOvr>
     <a:overrideClrMapping bg1="dk1" tx1="lt1" bg2="dk2" tx2="lt2" accent1="accent1" accent2="accent2" accent3="accent3" accent4="accent4" accent5="accent5" accent6="accent6" hlink="hlink" folHlink="folHlink"/>
   </p:clrMapOvr>
-  <mc:AlternateContent xmlns:mc="http://schemas.openxmlformats.org/markup-compatibility/2006">
-    <mc:Choice xmlns:p14="http://schemas.microsoft.com/office/powerpoint/2010/main" Requires="p14">
+  <mc:AlternateContent xmlns:mc="http://schemas.openxmlformats.org/markup-compatibility/2006" xmlns:p14="http://schemas.microsoft.com/office/powerpoint/2010/main">
+    <mc:Choice Requires="p14">
       <p:transition spd="slow" p14:dur="1200">
         <p14:prism/>
       </p:transition>
     </mc:Choice>
-    <mc:Fallback>
+    <mc:Fallback xmlns="">
       <p:transition spd="slow">
         <p:fade/>
       </p:transition>
@@ -21051,7 +21115,7 @@
           <a:p>
             <a:fld id="{E2E9192D-7D89-47BF-B02C-29AE4CEF5323}" type="datetime1">
               <a:pPr/>
-              <a:t>2016/8/17</a:t>
+              <a:t>2016/8/18</a:t>
             </a:fld>
             <a:endParaRPr lang="zh-TW"/>
           </a:p>
@@ -21114,13 +21178,13 @@
   <p:clrMapOvr>
     <a:masterClrMapping/>
   </p:clrMapOvr>
-  <mc:AlternateContent xmlns:mc="http://schemas.openxmlformats.org/markup-compatibility/2006">
-    <mc:Choice xmlns:p14="http://schemas.microsoft.com/office/powerpoint/2010/main" Requires="p14">
+  <mc:AlternateContent xmlns:mc="http://schemas.openxmlformats.org/markup-compatibility/2006" xmlns:p14="http://schemas.microsoft.com/office/powerpoint/2010/main">
+    <mc:Choice Requires="p14">
       <p:transition spd="slow" p14:dur="1200">
         <p14:prism/>
       </p:transition>
     </mc:Choice>
-    <mc:Fallback>
+    <mc:Fallback xmlns="">
       <p:transition spd="slow">
         <p:fade/>
       </p:transition>
@@ -21530,7 +21594,7 @@
           <a:p>
             <a:fld id="{4AEBA9AF-F1C1-4FDF-9348-FB02DE1BEFCE}" type="datetime1">
               <a:pPr/>
-              <a:t>2016/8/17</a:t>
+              <a:t>2016/8/18</a:t>
             </a:fld>
             <a:endParaRPr lang="zh-TW"/>
           </a:p>
@@ -21598,13 +21662,13 @@
   <p:clrMapOvr>
     <a:overrideClrMapping bg1="dk1" tx1="lt1" bg2="dk2" tx2="lt2" accent1="accent1" accent2="accent2" accent3="accent3" accent4="accent4" accent5="accent5" accent6="accent6" hlink="hlink" folHlink="folHlink"/>
   </p:clrMapOvr>
-  <mc:AlternateContent xmlns:mc="http://schemas.openxmlformats.org/markup-compatibility/2006">
-    <mc:Choice xmlns:p14="http://schemas.microsoft.com/office/powerpoint/2010/main" Requires="p14">
+  <mc:AlternateContent xmlns:mc="http://schemas.openxmlformats.org/markup-compatibility/2006" xmlns:p14="http://schemas.microsoft.com/office/powerpoint/2010/main">
+    <mc:Choice Requires="p14">
       <p:transition spd="slow" p14:dur="1200">
         <p14:prism/>
       </p:transition>
     </mc:Choice>
-    <mc:Fallback>
+    <mc:Fallback xmlns="">
       <p:transition spd="slow">
         <p:fade/>
       </p:transition>
@@ -21674,7 +21738,7 @@
           <a:p>
             <a:fld id="{4909DCD6-8107-480F-9A5B-88D74ACC9ACE}" type="datetime1">
               <a:pPr/>
-              <a:t>2016/8/17</a:t>
+              <a:t>2016/8/18</a:t>
             </a:fld>
             <a:endParaRPr lang="zh-TW"/>
           </a:p>
@@ -21727,13 +21791,13 @@
   <p:clrMapOvr>
     <a:masterClrMapping/>
   </p:clrMapOvr>
-  <mc:AlternateContent xmlns:mc="http://schemas.openxmlformats.org/markup-compatibility/2006">
-    <mc:Choice xmlns:p14="http://schemas.microsoft.com/office/powerpoint/2010/main" Requires="p14">
+  <mc:AlternateContent xmlns:mc="http://schemas.openxmlformats.org/markup-compatibility/2006" xmlns:p14="http://schemas.microsoft.com/office/powerpoint/2010/main">
+    <mc:Choice Requires="p14">
       <p:transition spd="slow" p14:dur="1200">
         <p14:prism/>
       </p:transition>
     </mc:Choice>
-    <mc:Fallback>
+    <mc:Fallback xmlns="">
       <p:transition spd="slow">
         <p:fade/>
       </p:transition>
@@ -21781,7 +21845,7 @@
           <a:p>
             <a:fld id="{E3C3F34B-1E76-4A74-B05B-C7E9FDCE7086}" type="datetime1">
               <a:pPr/>
-              <a:t>2016/8/17</a:t>
+              <a:t>2016/8/18</a:t>
             </a:fld>
             <a:endParaRPr lang="zh-TW"/>
           </a:p>
@@ -21844,13 +21908,13 @@
   <p:clrMapOvr>
     <a:masterClrMapping/>
   </p:clrMapOvr>
-  <mc:AlternateContent xmlns:mc="http://schemas.openxmlformats.org/markup-compatibility/2006">
-    <mc:Choice xmlns:p14="http://schemas.microsoft.com/office/powerpoint/2010/main" Requires="p14">
+  <mc:AlternateContent xmlns:mc="http://schemas.openxmlformats.org/markup-compatibility/2006" xmlns:p14="http://schemas.microsoft.com/office/powerpoint/2010/main">
+    <mc:Choice Requires="p14">
       <p:transition spd="slow" p14:dur="1200">
         <p14:prism/>
       </p:transition>
     </mc:Choice>
-    <mc:Fallback>
+    <mc:Fallback xmlns="">
       <p:transition spd="slow">
         <p:fade/>
       </p:transition>
@@ -22095,7 +22159,7 @@
           <a:p>
             <a:fld id="{935B0FF7-8660-4A38-9AF0-4D43C21C83DF}" type="datetime1">
               <a:pPr/>
-              <a:t>2016/8/17</a:t>
+              <a:t>2016/8/18</a:t>
             </a:fld>
             <a:endParaRPr lang="zh-TW" sz="900"/>
           </a:p>
@@ -22167,13 +22231,13 @@
   <p:clrMapOvr>
     <a:overrideClrMapping bg1="dk1" tx1="lt1" bg2="dk2" tx2="lt2" accent1="accent1" accent2="accent2" accent3="accent3" accent4="accent4" accent5="accent5" accent6="accent6" hlink="hlink" folHlink="folHlink"/>
   </p:clrMapOvr>
-  <mc:AlternateContent xmlns:mc="http://schemas.openxmlformats.org/markup-compatibility/2006">
-    <mc:Choice xmlns:p14="http://schemas.microsoft.com/office/powerpoint/2010/main" Requires="p14">
+  <mc:AlternateContent xmlns:mc="http://schemas.openxmlformats.org/markup-compatibility/2006" xmlns:p14="http://schemas.microsoft.com/office/powerpoint/2010/main">
+    <mc:Choice Requires="p14">
       <p:transition spd="slow" p14:dur="1200">
         <p14:prism/>
       </p:transition>
     </mc:Choice>
-    <mc:Fallback>
+    <mc:Fallback xmlns="">
       <p:transition spd="slow">
         <p:fade/>
       </p:transition>
@@ -22384,7 +22448,7 @@
           <a:p>
             <a:fld id="{2116474E-A1D6-4691-A6B1-81478C4043AF}" type="datetime1">
               <a:pPr/>
-              <a:t>2016/8/17</a:t>
+              <a:t>2016/8/18</a:t>
             </a:fld>
             <a:endParaRPr lang="zh-TW" sz="900"/>
           </a:p>
@@ -22457,13 +22521,13 @@
   <p:clrMapOvr>
     <a:overrideClrMapping bg1="dk1" tx1="lt1" bg2="dk2" tx2="lt2" accent1="accent1" accent2="accent2" accent3="accent3" accent4="accent4" accent5="accent5" accent6="accent6" hlink="hlink" folHlink="folHlink"/>
   </p:clrMapOvr>
-  <mc:AlternateContent xmlns:mc="http://schemas.openxmlformats.org/markup-compatibility/2006">
-    <mc:Choice xmlns:p14="http://schemas.microsoft.com/office/powerpoint/2010/main" Requires="p14">
+  <mc:AlternateContent xmlns:mc="http://schemas.openxmlformats.org/markup-compatibility/2006" xmlns:p14="http://schemas.microsoft.com/office/powerpoint/2010/main">
+    <mc:Choice Requires="p14">
       <p:transition spd="slow" p14:dur="1200">
         <p14:prism/>
       </p:transition>
     </mc:Choice>
-    <mc:Fallback>
+    <mc:Fallback xmlns="">
       <p:transition spd="slow">
         <p:fade/>
       </p:transition>
@@ -22802,7 +22866,7 @@
           <a:p>
             <a:fld id="{64072A0B-F28E-4A8A-BF94-4A452569ADAF}" type="datetime1">
               <a:pPr/>
-              <a:t>2016/8/17</a:t>
+              <a:t>2016/8/18</a:t>
             </a:fld>
             <a:endParaRPr lang="zh-TW" sz="1000" b="0">
               <a:solidFill>
@@ -22915,13 +22979,13 @@
     <p:sldLayoutId id="2147483656" r:id="rId8"/>
     <p:sldLayoutId id="2147483657" r:id="rId9"/>
   </p:sldLayoutIdLst>
-  <mc:AlternateContent xmlns:mc="http://schemas.openxmlformats.org/markup-compatibility/2006">
-    <mc:Choice xmlns:p14="http://schemas.microsoft.com/office/powerpoint/2010/main" Requires="p14">
+  <mc:AlternateContent xmlns:mc="http://schemas.openxmlformats.org/markup-compatibility/2006" xmlns:p14="http://schemas.microsoft.com/office/powerpoint/2010/main">
+    <mc:Choice Requires="p14">
       <p:transition spd="slow" p14:dur="1200">
         <p14:prism/>
       </p:transition>
     </mc:Choice>
-    <mc:Fallback>
+    <mc:Fallback xmlns="">
       <p:transition spd="slow">
         <p:fade/>
       </p:transition>
@@ -23311,13 +23375,13 @@
   <p:clrMapOvr>
     <a:masterClrMapping/>
   </p:clrMapOvr>
-  <mc:AlternateContent xmlns:mc="http://schemas.openxmlformats.org/markup-compatibility/2006">
-    <mc:Choice xmlns:p14="http://schemas.microsoft.com/office/powerpoint/2010/main" Requires="p14">
+  <mc:AlternateContent xmlns:mc="http://schemas.openxmlformats.org/markup-compatibility/2006" xmlns:p14="http://schemas.microsoft.com/office/powerpoint/2010/main">
+    <mc:Choice Requires="p14">
       <p:transition spd="slow" p14:dur="1200">
         <p14:prism/>
       </p:transition>
     </mc:Choice>
-    <mc:Fallback>
+    <mc:Fallback xmlns="">
       <p:transition spd="slow">
         <p:fade/>
       </p:transition>
@@ -23417,13 +23481,13 @@
   <p:clrMapOvr>
     <a:masterClrMapping/>
   </p:clrMapOvr>
-  <mc:AlternateContent xmlns:mc="http://schemas.openxmlformats.org/markup-compatibility/2006">
-    <mc:Choice xmlns:p14="http://schemas.microsoft.com/office/powerpoint/2010/main" Requires="p14">
+  <mc:AlternateContent xmlns:mc="http://schemas.openxmlformats.org/markup-compatibility/2006" xmlns:p14="http://schemas.microsoft.com/office/powerpoint/2010/main">
+    <mc:Choice Requires="p14">
       <p:transition spd="slow" p14:dur="1200">
         <p14:prism/>
       </p:transition>
     </mc:Choice>
-    <mc:Fallback>
+    <mc:Fallback xmlns="">
       <p:transition spd="slow">
         <p:fade/>
       </p:transition>
@@ -23484,8 +23548,8 @@
           </a:p>
         </p:txBody>
       </p:sp>
-      <mc:AlternateContent xmlns:mc="http://schemas.openxmlformats.org/markup-compatibility/2006">
-        <mc:Choice xmlns:a14="http://schemas.microsoft.com/office/drawing/2010/main" Requires="a14">
+      <mc:AlternateContent xmlns:mc="http://schemas.openxmlformats.org/markup-compatibility/2006" xmlns:a14="http://schemas.microsoft.com/office/drawing/2010/main">
+        <mc:Choice Requires="a14">
           <p:sp>
             <p:nvSpPr>
               <p:cNvPr id="3" name="內容版面配置區 2"/>
@@ -23583,11 +23647,7 @@
                 </a:r>
                 <a:r>
                   <a:rPr lang="en-US" altLang="zh-TW" sz="1600" dirty="0"/>
-                  <a:t>(Na</a:t>
-                </a:r>
-                <a:r>
-                  <a:rPr lang="en-US" altLang="zh-TW" sz="1600" dirty="0"/>
-                  <a:t>)</a:t>
+                  <a:t>(Na)</a:t>
                 </a:r>
               </a:p>
               <a:p>
@@ -23656,11 +23716,7 @@
                 </a14:m>
                 <a:r>
                   <a:rPr lang="zh-TW" altLang="en-US" sz="1600" dirty="0"/>
-                  <a:t> </a:t>
-                </a:r>
-                <a:r>
-                  <a:rPr lang="zh-TW" altLang="en-US" sz="1600" dirty="0"/>
-                  <a:t>問題</a:t>
+                  <a:t> 問題</a:t>
                 </a:r>
                 <a:endParaRPr lang="en-US" altLang="zh-TW" sz="1600" dirty="0"/>
               </a:p>
@@ -23792,7 +23848,7 @@
             </p:txBody>
           </p:sp>
         </mc:Choice>
-        <mc:Fallback>
+        <mc:Fallback xmlns="">
           <p:sp>
             <p:nvSpPr>
               <p:cNvPr id="3" name="內容版面配置區 2"/>
@@ -23864,13 +23920,13 @@
   <p:clrMapOvr>
     <a:masterClrMapping/>
   </p:clrMapOvr>
-  <mc:AlternateContent xmlns:mc="http://schemas.openxmlformats.org/markup-compatibility/2006">
-    <mc:Choice xmlns:p14="http://schemas.microsoft.com/office/powerpoint/2010/main" Requires="p14">
+  <mc:AlternateContent xmlns:mc="http://schemas.openxmlformats.org/markup-compatibility/2006" xmlns:p14="http://schemas.microsoft.com/office/powerpoint/2010/main">
+    <mc:Choice Requires="p14">
       <p:transition spd="slow" p14:dur="1200">
         <p14:prism/>
       </p:transition>
     </mc:Choice>
-    <mc:Fallback>
+    <mc:Fallback xmlns="">
       <p:transition spd="slow">
         <p:fade/>
       </p:transition>
@@ -23931,8 +23987,8 @@
           </a:p>
         </p:txBody>
       </p:sp>
-      <mc:AlternateContent xmlns:mc="http://schemas.openxmlformats.org/markup-compatibility/2006">
-        <mc:Choice xmlns:a14="http://schemas.microsoft.com/office/drawing/2010/main" Requires="a14">
+      <mc:AlternateContent xmlns:mc="http://schemas.openxmlformats.org/markup-compatibility/2006" xmlns:a14="http://schemas.microsoft.com/office/drawing/2010/main">
+        <mc:Choice Requires="a14">
           <p:sp>
             <p:nvSpPr>
               <p:cNvPr id="3" name="內容版面配置區 2"/>
@@ -24030,11 +24086,7 @@
                 </a:r>
                 <a:r>
                   <a:rPr lang="en-US" altLang="zh-TW" sz="1600" dirty="0"/>
-                  <a:t>(Na</a:t>
-                </a:r>
-                <a:r>
-                  <a:rPr lang="en-US" altLang="zh-TW" sz="1600" dirty="0"/>
-                  <a:t>)</a:t>
+                  <a:t>(Na)</a:t>
                 </a:r>
               </a:p>
               <a:p>
@@ -24231,14 +24283,7 @@
                                 <m:nor/>
                               </m:rPr>
                               <a:rPr lang="zh-TW" altLang="en-US" sz="1600" dirty="0"/>
-                              <m:t> </m:t>
-                            </m:r>
-                            <m:r>
-                              <m:rPr>
-                                <m:nor/>
-                              </m:rPr>
-                              <a:rPr lang="zh-TW" altLang="en-US" sz="1600" dirty="0"/>
-                              <m:t>爭議</m:t>
+                              <m:t> 爭議</m:t>
                             </m:r>
                             <m:r>
                               <m:rPr>
@@ -24398,21 +24443,7 @@
                                 <m:nor/>
                               </m:rPr>
                               <a:rPr lang="zh-TW" altLang="en-US" sz="1600" dirty="0"/>
-                              <m:t> </m:t>
-                            </m:r>
-                            <m:r>
-                              <m:rPr>
-                                <m:nor/>
-                              </m:rPr>
-                              <a:rPr lang="zh-TW" altLang="en-US" sz="1600" dirty="0"/>
-                              <m:t>課</m:t>
-                            </m:r>
-                            <m:r>
-                              <m:rPr>
-                                <m:nor/>
-                              </m:rPr>
-                              <a:rPr lang="zh-TW" altLang="en-US" sz="1600" dirty="0"/>
-                              <m:t>綱</m:t>
+                              <m:t> 課綱</m:t>
                             </m:r>
                             <m:r>
                               <m:rPr>
@@ -24565,7 +24596,7 @@
             </p:txBody>
           </p:sp>
         </mc:Choice>
-        <mc:Fallback>
+        <mc:Fallback xmlns="">
           <p:sp>
             <p:nvSpPr>
               <p:cNvPr id="3" name="內容版面配置區 2"/>
@@ -24613,13 +24644,13 @@
   <p:clrMapOvr>
     <a:masterClrMapping/>
   </p:clrMapOvr>
-  <mc:AlternateContent xmlns:mc="http://schemas.openxmlformats.org/markup-compatibility/2006">
-    <mc:Choice xmlns:p14="http://schemas.microsoft.com/office/powerpoint/2010/main" Requires="p14">
+  <mc:AlternateContent xmlns:mc="http://schemas.openxmlformats.org/markup-compatibility/2006" xmlns:p14="http://schemas.microsoft.com/office/powerpoint/2010/main">
+    <mc:Choice Requires="p14">
       <p:transition spd="slow" p14:dur="1200">
         <p14:prism/>
       </p:transition>
     </mc:Choice>
-    <mc:Fallback>
+    <mc:Fallback xmlns="">
       <p:transition spd="slow">
         <p:fade/>
       </p:transition>
@@ -24690,7 +24721,7 @@
             <p:ph idx="1"/>
             <p:extLst>
               <p:ext uri="{D42A27DB-BD31-4B8C-83A1-F6EECF244321}">
-                <p14:modId xmlns:p14="http://schemas.microsoft.com/office/powerpoint/2010/main" val="349879239"/>
+                <p14:modId xmlns:p14="http://schemas.microsoft.com/office/powerpoint/2010/main" val="4286908907"/>
               </p:ext>
             </p:extLst>
           </p:nvPr>
@@ -24715,13 +24746,13 @@
   <p:clrMapOvr>
     <a:masterClrMapping/>
   </p:clrMapOvr>
-  <mc:AlternateContent xmlns:mc="http://schemas.openxmlformats.org/markup-compatibility/2006">
-    <mc:Choice xmlns:p14="http://schemas.microsoft.com/office/powerpoint/2010/main" Requires="p14">
+  <mc:AlternateContent xmlns:mc="http://schemas.openxmlformats.org/markup-compatibility/2006" xmlns:p14="http://schemas.microsoft.com/office/powerpoint/2010/main">
+    <mc:Choice Requires="p14">
       <p:transition spd="slow" p14:dur="1200">
         <p14:prism/>
       </p:transition>
     </mc:Choice>
-    <mc:Fallback>
+    <mc:Fallback xmlns="">
       <p:transition spd="slow">
         <p:fade/>
       </p:transition>
@@ -24811,13 +24842,13 @@
   <p:clrMapOvr>
     <a:masterClrMapping/>
   </p:clrMapOvr>
-  <mc:AlternateContent xmlns:mc="http://schemas.openxmlformats.org/markup-compatibility/2006">
-    <mc:Choice xmlns:p14="http://schemas.microsoft.com/office/powerpoint/2010/main" Requires="p14">
+  <mc:AlternateContent xmlns:mc="http://schemas.openxmlformats.org/markup-compatibility/2006" xmlns:p14="http://schemas.microsoft.com/office/powerpoint/2010/main">
+    <mc:Choice Requires="p14">
       <p:transition spd="slow" p14:dur="1200">
         <p14:prism/>
       </p:transition>
     </mc:Choice>
-    <mc:Fallback>
+    <mc:Fallback xmlns="">
       <p:transition spd="slow">
         <p:fade/>
       </p:transition>
@@ -24872,7 +24903,11 @@
           <a:p>
             <a:r>
               <a:rPr lang="en-US" altLang="zh-TW" dirty="0" smtClean="0"/>
-              <a:t>Future Works</a:t>
+              <a:t>Future </a:t>
+            </a:r>
+            <a:r>
+              <a:rPr lang="en-US" altLang="zh-TW" dirty="0" smtClean="0"/>
+              <a:t>Goals</a:t>
             </a:r>
             <a:endParaRPr lang="zh-TW" dirty="0"/>
           </a:p>
@@ -24908,13 +24943,13 @@
   <p:clrMapOvr>
     <a:masterClrMapping/>
   </p:clrMapOvr>
-  <mc:AlternateContent xmlns:mc="http://schemas.openxmlformats.org/markup-compatibility/2006">
-    <mc:Choice xmlns:p14="http://schemas.microsoft.com/office/powerpoint/2010/main" Requires="p14">
+  <mc:AlternateContent xmlns:mc="http://schemas.openxmlformats.org/markup-compatibility/2006" xmlns:p14="http://schemas.microsoft.com/office/powerpoint/2010/main">
+    <mc:Choice Requires="p14">
       <p:transition spd="slow" p14:dur="1200">
         <p14:prism/>
       </p:transition>
     </mc:Choice>
-    <mc:Fallback>
+    <mc:Fallback xmlns="">
       <p:transition spd="slow">
         <p:fade/>
       </p:transition>
@@ -25102,13 +25137,13 @@
   <p:clrMapOvr>
     <a:masterClrMapping/>
   </p:clrMapOvr>
-  <mc:AlternateContent xmlns:mc="http://schemas.openxmlformats.org/markup-compatibility/2006">
-    <mc:Choice xmlns:p14="http://schemas.microsoft.com/office/powerpoint/2010/main" Requires="p14">
+  <mc:AlternateContent xmlns:mc="http://schemas.openxmlformats.org/markup-compatibility/2006" xmlns:p14="http://schemas.microsoft.com/office/powerpoint/2010/main">
+    <mc:Choice Requires="p14">
       <p:transition spd="slow" p14:dur="1200">
         <p14:prism/>
       </p:transition>
     </mc:Choice>
-    <mc:Fallback>
+    <mc:Fallback xmlns="">
       <p:transition spd="slow">
         <p:fade/>
       </p:transition>
@@ -25179,13 +25214,13 @@
   <p:clrMapOvr>
     <a:masterClrMapping/>
   </p:clrMapOvr>
-  <mc:AlternateContent xmlns:mc="http://schemas.openxmlformats.org/markup-compatibility/2006">
-    <mc:Choice xmlns:p14="http://schemas.microsoft.com/office/powerpoint/2010/main" Requires="p14">
+  <mc:AlternateContent xmlns:mc="http://schemas.openxmlformats.org/markup-compatibility/2006" xmlns:p14="http://schemas.microsoft.com/office/powerpoint/2010/main">
+    <mc:Choice Requires="p14">
       <p:transition spd="slow" p14:dur="1200">
         <p14:prism/>
       </p:transition>
     </mc:Choice>
-    <mc:Fallback>
+    <mc:Fallback xmlns="">
       <p:transition spd="slow">
         <p:fade/>
       </p:transition>
@@ -25281,13 +25316,13 @@
   <p:clrMapOvr>
     <a:masterClrMapping/>
   </p:clrMapOvr>
-  <mc:AlternateContent xmlns:mc="http://schemas.openxmlformats.org/markup-compatibility/2006">
-    <mc:Choice xmlns:p14="http://schemas.microsoft.com/office/powerpoint/2010/main" Requires="p14">
+  <mc:AlternateContent xmlns:mc="http://schemas.openxmlformats.org/markup-compatibility/2006" xmlns:p14="http://schemas.microsoft.com/office/powerpoint/2010/main">
+    <mc:Choice Requires="p14">
       <p:transition spd="slow" p14:dur="1200">
         <p14:prism/>
       </p:transition>
     </mc:Choice>
-    <mc:Fallback>
+    <mc:Fallback xmlns="">
       <p:transition spd="slow">
         <p:fade/>
       </p:transition>
@@ -25518,13 +25553,13 @@
   <p:clrMapOvr>
     <a:masterClrMapping/>
   </p:clrMapOvr>
-  <mc:AlternateContent xmlns:mc="http://schemas.openxmlformats.org/markup-compatibility/2006">
-    <mc:Choice xmlns:p14="http://schemas.microsoft.com/office/powerpoint/2010/main" Requires="p14">
+  <mc:AlternateContent xmlns:mc="http://schemas.openxmlformats.org/markup-compatibility/2006" xmlns:p14="http://schemas.microsoft.com/office/powerpoint/2010/main">
+    <mc:Choice Requires="p14">
       <p:transition spd="slow" p14:dur="1200">
         <p14:prism/>
       </p:transition>
     </mc:Choice>
-    <mc:Fallback>
+    <mc:Fallback xmlns="">
       <p:transition spd="slow">
         <p:fade/>
       </p:transition>
@@ -25601,7 +25636,7 @@
                 <p:ph idx="1"/>
                 <p:extLst>
                   <p:ext uri="{D42A27DB-BD31-4B8C-83A1-F6EECF244321}">
-                    <p14:modId xmlns:p14="http://schemas.microsoft.com/office/powerpoint/2010/main" val="1204169941"/>
+                    <p14:modId xmlns:p14="http://schemas.microsoft.com/office/powerpoint/2010/main" val="3600354381"/>
                   </p:ext>
                 </p:extLst>
               </p:nvPr>
@@ -25628,7 +25663,7 @@
                 <p:ph idx="1"/>
                 <p:extLst>
                   <p:ext uri="{D42A27DB-BD31-4B8C-83A1-F6EECF244321}">
-                    <p14:modId xmlns:p14="http://schemas.microsoft.com/office/powerpoint/2010/main" val="1204169941"/>
+                    <p14:modId xmlns:p14="http://schemas.microsoft.com/office/powerpoint/2010/main" val="3600354381"/>
                   </p:ext>
                 </p:extLst>
               </p:nvPr>
@@ -25655,13 +25690,13 @@
   <p:clrMapOvr>
     <a:masterClrMapping/>
   </p:clrMapOvr>
-  <mc:AlternateContent xmlns:mc="http://schemas.openxmlformats.org/markup-compatibility/2006">
-    <mc:Choice xmlns:p14="http://schemas.microsoft.com/office/powerpoint/2010/main" Requires="p14">
+  <mc:AlternateContent xmlns:mc="http://schemas.openxmlformats.org/markup-compatibility/2006" xmlns:p14="http://schemas.microsoft.com/office/powerpoint/2010/main">
+    <mc:Choice Requires="p14">
       <p:transition spd="slow" p14:dur="1200">
         <p14:prism/>
       </p:transition>
     </mc:Choice>
-    <mc:Fallback>
+    <mc:Fallback xmlns="">
       <p:transition spd="slow">
         <p:fade/>
       </p:transition>
@@ -25730,6 +25765,11 @@
           </p:cNvGraphicFramePr>
           <p:nvPr>
             <p:ph idx="1"/>
+            <p:extLst>
+              <p:ext uri="{D42A27DB-BD31-4B8C-83A1-F6EECF244321}">
+                <p14:modId xmlns:p14="http://schemas.microsoft.com/office/powerpoint/2010/main" val="605245684"/>
+              </p:ext>
+            </p:extLst>
           </p:nvPr>
         </p:nvGraphicFramePr>
         <p:xfrm>
@@ -25752,13 +25792,13 @@
   <p:clrMapOvr>
     <a:masterClrMapping/>
   </p:clrMapOvr>
-  <mc:AlternateContent xmlns:mc="http://schemas.openxmlformats.org/markup-compatibility/2006">
-    <mc:Choice xmlns:p14="http://schemas.microsoft.com/office/powerpoint/2010/main" Requires="p14">
+  <mc:AlternateContent xmlns:mc="http://schemas.openxmlformats.org/markup-compatibility/2006" xmlns:p14="http://schemas.microsoft.com/office/powerpoint/2010/main">
+    <mc:Choice Requires="p14">
       <p:transition spd="slow" p14:dur="1200">
         <p14:prism/>
       </p:transition>
     </mc:Choice>
-    <mc:Fallback>
+    <mc:Fallback xmlns="">
       <p:transition spd="slow">
         <p:fade/>
       </p:transition>
@@ -25819,8 +25859,8 @@
           </a:p>
         </p:txBody>
       </p:sp>
-      <mc:AlternateContent xmlns:mc="http://schemas.openxmlformats.org/markup-compatibility/2006">
-        <mc:Choice xmlns:a14="http://schemas.microsoft.com/office/drawing/2010/main" Requires="a14">
+      <mc:AlternateContent xmlns:mc="http://schemas.openxmlformats.org/markup-compatibility/2006" xmlns:a14="http://schemas.microsoft.com/office/drawing/2010/main">
+        <mc:Choice Requires="a14">
           <p:sp>
             <p:nvSpPr>
               <p:cNvPr id="3" name="內容版面配置區 2"/>
@@ -26288,7 +26328,7 @@
             </p:txBody>
           </p:sp>
         </mc:Choice>
-        <mc:Fallback>
+        <mc:Fallback xmlns="">
           <p:sp>
             <p:nvSpPr>
               <p:cNvPr id="3" name="內容版面配置區 2"/>
@@ -26376,13 +26416,13 @@
   <p:clrMapOvr>
     <a:masterClrMapping/>
   </p:clrMapOvr>
-  <mc:AlternateContent xmlns:mc="http://schemas.openxmlformats.org/markup-compatibility/2006">
-    <mc:Choice xmlns:p14="http://schemas.microsoft.com/office/powerpoint/2010/main" Requires="p14">
+  <mc:AlternateContent xmlns:mc="http://schemas.openxmlformats.org/markup-compatibility/2006" xmlns:p14="http://schemas.microsoft.com/office/powerpoint/2010/main">
+    <mc:Choice Requires="p14">
       <p:transition spd="slow" p14:dur="1200">
         <p14:prism/>
       </p:transition>
     </mc:Choice>
-    <mc:Fallback>
+    <mc:Fallback xmlns="">
       <p:transition spd="slow">
         <p:fade/>
       </p:transition>
@@ -26453,7 +26493,7 @@
             <p:ph idx="1"/>
             <p:extLst>
               <p:ext uri="{D42A27DB-BD31-4B8C-83A1-F6EECF244321}">
-                <p14:modId xmlns:p14="http://schemas.microsoft.com/office/powerpoint/2010/main" val="861334074"/>
+                <p14:modId xmlns:p14="http://schemas.microsoft.com/office/powerpoint/2010/main" val="3111393199"/>
               </p:ext>
             </p:extLst>
           </p:nvPr>
@@ -26478,13 +26518,13 @@
   <p:clrMapOvr>
     <a:masterClrMapping/>
   </p:clrMapOvr>
-  <mc:AlternateContent xmlns:mc="http://schemas.openxmlformats.org/markup-compatibility/2006">
-    <mc:Choice xmlns:p14="http://schemas.microsoft.com/office/powerpoint/2010/main" Requires="p14">
+  <mc:AlternateContent xmlns:mc="http://schemas.openxmlformats.org/markup-compatibility/2006" xmlns:p14="http://schemas.microsoft.com/office/powerpoint/2010/main">
+    <mc:Choice Requires="p14">
       <p:transition spd="slow" p14:dur="1200">
         <p14:prism/>
       </p:transition>
     </mc:Choice>
-    <mc:Fallback>
+    <mc:Fallback xmlns="">
       <p:transition spd="slow">
         <p:fade/>
       </p:transition>
@@ -26549,8 +26589,8 @@
           </a:p>
         </p:txBody>
       </p:sp>
-      <mc:AlternateContent xmlns:mc="http://schemas.openxmlformats.org/markup-compatibility/2006">
-        <mc:Choice xmlns:a14="http://schemas.microsoft.com/office/drawing/2010/main" Requires="a14">
+      <mc:AlternateContent xmlns:mc="http://schemas.openxmlformats.org/markup-compatibility/2006" xmlns:a14="http://schemas.microsoft.com/office/drawing/2010/main">
+        <mc:Choice Requires="a14">
           <p:sp>
             <p:nvSpPr>
               <p:cNvPr id="3" name="內容版面配置區 2"/>
@@ -26672,7 +26712,7 @@
             </p:txBody>
           </p:sp>
         </mc:Choice>
-        <mc:Fallback>
+        <mc:Fallback xmlns="">
           <p:sp>
             <p:nvSpPr>
               <p:cNvPr id="3" name="內容版面配置區 2"/>
@@ -26744,13 +26784,13 @@
   <p:clrMapOvr>
     <a:masterClrMapping/>
   </p:clrMapOvr>
-  <mc:AlternateContent xmlns:mc="http://schemas.openxmlformats.org/markup-compatibility/2006">
-    <mc:Choice xmlns:p14="http://schemas.microsoft.com/office/powerpoint/2010/main" Requires="p14">
+  <mc:AlternateContent xmlns:mc="http://schemas.openxmlformats.org/markup-compatibility/2006" xmlns:p14="http://schemas.microsoft.com/office/powerpoint/2010/main">
+    <mc:Choice Requires="p14">
       <p:transition spd="slow" p14:dur="1200">
         <p14:prism/>
       </p:transition>
     </mc:Choice>
-    <mc:Fallback>
+    <mc:Fallback xmlns="">
       <p:transition spd="slow">
         <p:fade/>
       </p:transition>
@@ -26821,7 +26861,7 @@
             <p:ph idx="1"/>
             <p:extLst>
               <p:ext uri="{D42A27DB-BD31-4B8C-83A1-F6EECF244321}">
-                <p14:modId xmlns:p14="http://schemas.microsoft.com/office/powerpoint/2010/main" val="552264118"/>
+                <p14:modId xmlns:p14="http://schemas.microsoft.com/office/powerpoint/2010/main" val="3583211265"/>
               </p:ext>
             </p:extLst>
           </p:nvPr>
@@ -26846,13 +26886,13 @@
   <p:clrMapOvr>
     <a:masterClrMapping/>
   </p:clrMapOvr>
-  <mc:AlternateContent xmlns:mc="http://schemas.openxmlformats.org/markup-compatibility/2006">
-    <mc:Choice xmlns:p14="http://schemas.microsoft.com/office/powerpoint/2010/main" Requires="p14">
+  <mc:AlternateContent xmlns:mc="http://schemas.openxmlformats.org/markup-compatibility/2006" xmlns:p14="http://schemas.microsoft.com/office/powerpoint/2010/main">
+    <mc:Choice Requires="p14">
       <p:transition spd="slow" p14:dur="1200">
         <p14:prism/>
       </p:transition>
     </mc:Choice>
-    <mc:Fallback>
+    <mc:Fallback xmlns="">
       <p:transition spd="slow">
         <p:fade/>
       </p:transition>

--- a/presentation.pptx
+++ b/presentation.pptx
@@ -5,7 +5,7 @@
     <p:sldMasterId id="2147483648" r:id="rId2"/>
   </p:sldMasterIdLst>
   <p:notesMasterIdLst>
-    <p:notesMasterId r:id="rId20"/>
+    <p:notesMasterId r:id="rId22"/>
   </p:notesMasterIdLst>
   <p:sldIdLst>
     <p:sldId id="256" r:id="rId3"/>
@@ -16,15 +16,17 @@
     <p:sldId id="274" r:id="rId8"/>
     <p:sldId id="276" r:id="rId9"/>
     <p:sldId id="277" r:id="rId10"/>
-    <p:sldId id="278" r:id="rId11"/>
-    <p:sldId id="269" r:id="rId12"/>
-    <p:sldId id="270" r:id="rId13"/>
-    <p:sldId id="271" r:id="rId14"/>
-    <p:sldId id="272" r:id="rId15"/>
-    <p:sldId id="279" r:id="rId16"/>
-    <p:sldId id="265" r:id="rId17"/>
-    <p:sldId id="281" r:id="rId18"/>
-    <p:sldId id="280" r:id="rId19"/>
+    <p:sldId id="282" r:id="rId11"/>
+    <p:sldId id="278" r:id="rId12"/>
+    <p:sldId id="269" r:id="rId13"/>
+    <p:sldId id="270" r:id="rId14"/>
+    <p:sldId id="271" r:id="rId15"/>
+    <p:sldId id="283" r:id="rId16"/>
+    <p:sldId id="272" r:id="rId17"/>
+    <p:sldId id="279" r:id="rId18"/>
+    <p:sldId id="265" r:id="rId19"/>
+    <p:sldId id="281" r:id="rId20"/>
+    <p:sldId id="280" r:id="rId21"/>
   </p:sldIdLst>
   <p:sldSz cx="9144000" cy="6858000" type="screen4x3"/>
   <p:notesSz cx="6858000" cy="9144000"/>
@@ -6757,11 +6759,7 @@
           </a:r>
           <a:r>
             <a:rPr lang="en-US" altLang="zh-TW" dirty="0" smtClean="0"/>
-            <a:t>: Find the </a:t>
-          </a:r>
-          <a:r>
-            <a:rPr lang="en-US" altLang="zh-TW" dirty="0" smtClean="0"/>
-            <a:t>Relationships</a:t>
+            <a:t>: Find the Relationships</a:t>
           </a:r>
           <a:endParaRPr lang="zh-TW" dirty="0"/>
         </a:p>
@@ -6805,11 +6803,7 @@
           </a:r>
           <a:r>
             <a:rPr lang="en-US" altLang="zh-TW" dirty="0" smtClean="0"/>
-            <a:t>Find the </a:t>
-          </a:r>
-          <a:r>
-            <a:rPr lang="en-US" altLang="zh-TW" dirty="0" smtClean="0"/>
-            <a:t>Relationships</a:t>
+            <a:t>Find the Relationships</a:t>
           </a:r>
           <a:endParaRPr lang="zh-TW" dirty="0"/>
         </a:p>
@@ -7081,11 +7075,7 @@
           </a:r>
           <a:r>
             <a:rPr lang="en-US" altLang="zh-TW" dirty="0" smtClean="0"/>
-            <a:t>: Find the </a:t>
-          </a:r>
-          <a:r>
-            <a:rPr lang="en-US" altLang="zh-TW" dirty="0" smtClean="0"/>
-            <a:t>Relationships</a:t>
+            <a:t>: Find the Relationships</a:t>
           </a:r>
           <a:endParaRPr lang="zh-TW" dirty="0"/>
         </a:p>
@@ -7129,11 +7119,7 @@
           </a:r>
           <a:r>
             <a:rPr lang="en-US" altLang="zh-TW" dirty="0" smtClean="0"/>
-            <a:t>Find the </a:t>
-          </a:r>
-          <a:r>
-            <a:rPr lang="en-US" altLang="zh-TW" dirty="0" smtClean="0"/>
-            <a:t>Relationships</a:t>
+            <a:t>Find the Relationships</a:t>
           </a:r>
           <a:endParaRPr lang="zh-TW" dirty="0"/>
         </a:p>
@@ -7405,11 +7391,7 @@
           </a:r>
           <a:r>
             <a:rPr lang="en-US" altLang="zh-TW" dirty="0" smtClean="0"/>
-            <a:t>: Find the </a:t>
-          </a:r>
-          <a:r>
-            <a:rPr lang="en-US" altLang="zh-TW" dirty="0" smtClean="0"/>
-            <a:t>Relationships</a:t>
+            <a:t>: Find the Relationships</a:t>
           </a:r>
           <a:endParaRPr lang="zh-TW" dirty="0"/>
         </a:p>
@@ -7457,11 +7439,7 @@
           </a:r>
           <a:r>
             <a:rPr lang="en-US" altLang="zh-TW" dirty="0" smtClean="0"/>
-            <a:t>Find the </a:t>
-          </a:r>
-          <a:r>
-            <a:rPr lang="en-US" altLang="zh-TW" dirty="0" smtClean="0"/>
-            <a:t>Relationships</a:t>
+            <a:t>Find the Relationships</a:t>
           </a:r>
           <a:endParaRPr lang="zh-TW" dirty="0"/>
         </a:p>
@@ -7729,11 +7707,7 @@
           </a:r>
           <a:r>
             <a:rPr lang="en-US" altLang="zh-TW" dirty="0" smtClean="0"/>
-            <a:t>: Find the </a:t>
-          </a:r>
-          <a:r>
-            <a:rPr lang="en-US" altLang="zh-TW" dirty="0" smtClean="0"/>
-            <a:t>Relationships</a:t>
+            <a:t>: Find the Relationships</a:t>
           </a:r>
           <a:endParaRPr lang="zh-TW" dirty="0"/>
         </a:p>
@@ -7777,11 +7751,7 @@
           </a:r>
           <a:r>
             <a:rPr lang="en-US" altLang="zh-TW" dirty="0" smtClean="0"/>
-            <a:t>Find the </a:t>
-          </a:r>
-          <a:r>
-            <a:rPr lang="en-US" altLang="zh-TW" dirty="0" smtClean="0"/>
-            <a:t>Relationships</a:t>
+            <a:t>Find the Relationships</a:t>
           </a:r>
           <a:endParaRPr lang="zh-TW" dirty="0"/>
         </a:p>
@@ -9261,11 +9231,7 @@
           </a:r>
           <a:r>
             <a:rPr lang="en-US" altLang="zh-TW" sz="2300" kern="1200" dirty="0" smtClean="0"/>
-            <a:t>Find the </a:t>
-          </a:r>
-          <a:r>
-            <a:rPr lang="en-US" altLang="zh-TW" sz="2300" kern="1200" dirty="0" smtClean="0"/>
-            <a:t>Relationships</a:t>
+            <a:t>Find the Relationships</a:t>
           </a:r>
           <a:endParaRPr lang="zh-TW" sz="2300" kern="1200" dirty="0"/>
         </a:p>
@@ -9346,11 +9312,7 @@
           </a:r>
           <a:r>
             <a:rPr lang="en-US" altLang="zh-TW" sz="2300" kern="1200" dirty="0" smtClean="0"/>
-            <a:t>: Find the </a:t>
-          </a:r>
-          <a:r>
-            <a:rPr lang="en-US" altLang="zh-TW" sz="2300" kern="1200" dirty="0" smtClean="0"/>
-            <a:t>Relationships</a:t>
+            <a:t>: Find the Relationships</a:t>
           </a:r>
           <a:endParaRPr lang="zh-TW" sz="2300" kern="1200" dirty="0"/>
         </a:p>
@@ -9608,11 +9570,7 @@
           </a:r>
           <a:r>
             <a:rPr lang="en-US" altLang="zh-TW" sz="2300" kern="1200" dirty="0" smtClean="0"/>
-            <a:t>Find the </a:t>
-          </a:r>
-          <a:r>
-            <a:rPr lang="en-US" altLang="zh-TW" sz="2300" kern="1200" dirty="0" smtClean="0"/>
-            <a:t>Relationships</a:t>
+            <a:t>Find the Relationships</a:t>
           </a:r>
           <a:endParaRPr lang="zh-TW" sz="2300" kern="1200" dirty="0"/>
         </a:p>
@@ -9688,11 +9646,7 @@
           </a:r>
           <a:r>
             <a:rPr lang="en-US" altLang="zh-TW" sz="2300" kern="1200" dirty="0" smtClean="0"/>
-            <a:t>: Find the </a:t>
-          </a:r>
-          <a:r>
-            <a:rPr lang="en-US" altLang="zh-TW" sz="2300" kern="1200" dirty="0" smtClean="0"/>
-            <a:t>Relationships</a:t>
+            <a:t>: Find the Relationships</a:t>
           </a:r>
           <a:endParaRPr lang="zh-TW" sz="2300" kern="1200" dirty="0"/>
         </a:p>
@@ -9945,11 +9899,7 @@
           </a:r>
           <a:r>
             <a:rPr lang="en-US" altLang="zh-TW" sz="2300" kern="1200" dirty="0" smtClean="0"/>
-            <a:t>Find the </a:t>
-          </a:r>
-          <a:r>
-            <a:rPr lang="en-US" altLang="zh-TW" sz="2300" kern="1200" dirty="0" smtClean="0"/>
-            <a:t>Relationships</a:t>
+            <a:t>Find the Relationships</a:t>
           </a:r>
           <a:endParaRPr lang="zh-TW" sz="2300" kern="1200" dirty="0"/>
         </a:p>
@@ -10025,11 +9975,7 @@
           </a:r>
           <a:r>
             <a:rPr lang="en-US" altLang="zh-TW" sz="2300" kern="1200" dirty="0" smtClean="0"/>
-            <a:t>: Find the </a:t>
-          </a:r>
-          <a:r>
-            <a:rPr lang="en-US" altLang="zh-TW" sz="2300" kern="1200" dirty="0" smtClean="0"/>
-            <a:t>Relationships</a:t>
+            <a:t>: Find the Relationships</a:t>
           </a:r>
           <a:endParaRPr lang="zh-TW" sz="2300" kern="1200" dirty="0"/>
         </a:p>
@@ -10282,11 +10228,7 @@
           </a:r>
           <a:r>
             <a:rPr lang="en-US" altLang="zh-TW" sz="2300" kern="1200" dirty="0" smtClean="0"/>
-            <a:t>Find the </a:t>
-          </a:r>
-          <a:r>
-            <a:rPr lang="en-US" altLang="zh-TW" sz="2300" kern="1200" dirty="0" smtClean="0"/>
-            <a:t>Relationships</a:t>
+            <a:t>Find the Relationships</a:t>
           </a:r>
           <a:endParaRPr lang="zh-TW" sz="2300" kern="1200" dirty="0"/>
         </a:p>
@@ -10367,11 +10309,7 @@
           </a:r>
           <a:r>
             <a:rPr lang="en-US" altLang="zh-TW" sz="2300" kern="1200" dirty="0" smtClean="0"/>
-            <a:t>: Find the </a:t>
-          </a:r>
-          <a:r>
-            <a:rPr lang="en-US" altLang="zh-TW" sz="2300" kern="1200" dirty="0" smtClean="0"/>
-            <a:t>Relationships</a:t>
+            <a:t>: Find the Relationships</a:t>
           </a:r>
           <a:endParaRPr lang="zh-TW" sz="2300" kern="1200" dirty="0"/>
         </a:p>
@@ -10475,166 +10413,6 @@
       <dsp:cNvGrpSpPr/>
     </dsp:nvGrpSpPr>
     <dsp:grpSpPr/>
-    <dsp:sp modelId="{0A932FA0-4CF2-4A47-A9E5-C1A045D9DA4F}">
-      <dsp:nvSpPr>
-        <dsp:cNvPr id="0" name=""/>
-        <dsp:cNvSpPr/>
-      </dsp:nvSpPr>
-      <dsp:spPr>
-        <a:xfrm rot="16200000">
-          <a:off x="-244239" y="244239"/>
-          <a:ext cx="4572000" cy="4083520"/>
-        </a:xfrm>
-        <a:prstGeom prst="flowChartManualOperation">
-          <a:avLst/>
-        </a:prstGeom>
-        <a:solidFill>
-          <a:schemeClr val="accent1">
-            <a:hueOff val="0"/>
-            <a:satOff val="0"/>
-            <a:lumOff val="0"/>
-            <a:alphaOff val="0"/>
-          </a:schemeClr>
-        </a:solidFill>
-        <a:ln w="25400" cap="flat" cmpd="sng" algn="ctr">
-          <a:solidFill>
-            <a:schemeClr val="lt1">
-              <a:hueOff val="0"/>
-              <a:satOff val="0"/>
-              <a:lumOff val="0"/>
-              <a:alphaOff val="0"/>
-            </a:schemeClr>
-          </a:solidFill>
-          <a:prstDash val="solid"/>
-        </a:ln>
-        <a:effectLst/>
-      </dsp:spPr>
-      <dsp:style>
-        <a:lnRef idx="2">
-          <a:scrgbClr r="0" g="0" b="0"/>
-        </a:lnRef>
-        <a:fillRef idx="1">
-          <a:scrgbClr r="0" g="0" b="0"/>
-        </a:fillRef>
-        <a:effectRef idx="0">
-          <a:scrgbClr r="0" g="0" b="0"/>
-        </a:effectRef>
-        <a:fontRef idx="minor">
-          <a:schemeClr val="lt1"/>
-        </a:fontRef>
-      </dsp:style>
-      <dsp:txBody>
-        <a:bodyPr spcFirstLastPara="0" vert="horz" wrap="square" lIns="209550" tIns="0" rIns="209623" bIns="0" numCol="1" spcCol="1270" anchor="ctr" anchorCtr="0">
-          <a:noAutofit/>
-        </a:bodyPr>
-        <a:lstStyle/>
-        <a:p>
-          <a:pPr lvl="0" algn="ctr" defTabSz="1466850">
-            <a:lnSpc>
-              <a:spcPct val="90000"/>
-            </a:lnSpc>
-            <a:spcBef>
-              <a:spcPct val="0"/>
-            </a:spcBef>
-            <a:spcAft>
-              <a:spcPct val="35000"/>
-            </a:spcAft>
-          </a:pPr>
-          <a:r>
-            <a:rPr lang="en-US" altLang="zh-TW" sz="3300" kern="1200" dirty="0" smtClean="0">
-              <a:ea typeface="+mn-ea"/>
-              <a:cs typeface="+mn-cs"/>
-            </a:rPr>
-            <a:t>Use Association Rules to optimize the Ontology </a:t>
-          </a:r>
-          <a:endParaRPr lang="zh-TW" sz="3300" kern="1200" dirty="0"/>
-        </a:p>
-      </dsp:txBody>
-      <dsp:txXfrm rot="5400000">
-        <a:off x="1" y="914399"/>
-        <a:ext cx="4083520" cy="2743200"/>
-      </dsp:txXfrm>
-    </dsp:sp>
-    <dsp:sp modelId="{BD047AB2-47B5-4DE0-8267-27E7F1DA84CC}">
-      <dsp:nvSpPr>
-        <dsp:cNvPr id="0" name=""/>
-        <dsp:cNvSpPr/>
-      </dsp:nvSpPr>
-      <dsp:spPr>
-        <a:xfrm rot="16200000">
-          <a:off x="3922854" y="267497"/>
-          <a:ext cx="4572000" cy="4037005"/>
-        </a:xfrm>
-        <a:prstGeom prst="flowChartManualOperation">
-          <a:avLst/>
-        </a:prstGeom>
-        <a:solidFill>
-          <a:schemeClr val="accent1">
-            <a:hueOff val="0"/>
-            <a:satOff val="0"/>
-            <a:lumOff val="0"/>
-            <a:alphaOff val="0"/>
-          </a:schemeClr>
-        </a:solidFill>
-        <a:ln w="25400" cap="flat" cmpd="sng" algn="ctr">
-          <a:solidFill>
-            <a:schemeClr val="lt1">
-              <a:hueOff val="0"/>
-              <a:satOff val="0"/>
-              <a:lumOff val="0"/>
-              <a:alphaOff val="0"/>
-            </a:schemeClr>
-          </a:solidFill>
-          <a:prstDash val="solid"/>
-        </a:ln>
-        <a:effectLst/>
-      </dsp:spPr>
-      <dsp:style>
-        <a:lnRef idx="2">
-          <a:scrgbClr r="0" g="0" b="0"/>
-        </a:lnRef>
-        <a:fillRef idx="1">
-          <a:scrgbClr r="0" g="0" b="0"/>
-        </a:fillRef>
-        <a:effectRef idx="0">
-          <a:scrgbClr r="0" g="0" b="0"/>
-        </a:effectRef>
-        <a:fontRef idx="minor">
-          <a:schemeClr val="lt1"/>
-        </a:fontRef>
-      </dsp:style>
-      <dsp:txBody>
-        <a:bodyPr spcFirstLastPara="0" vert="horz" wrap="square" lIns="209550" tIns="0" rIns="209623" bIns="0" numCol="1" spcCol="1270" anchor="ctr" anchorCtr="0">
-          <a:noAutofit/>
-        </a:bodyPr>
-        <a:lstStyle/>
-        <a:p>
-          <a:pPr lvl="0" algn="ctr" defTabSz="1466850">
-            <a:lnSpc>
-              <a:spcPct val="90000"/>
-            </a:lnSpc>
-            <a:spcBef>
-              <a:spcPct val="0"/>
-            </a:spcBef>
-            <a:spcAft>
-              <a:spcPct val="35000"/>
-            </a:spcAft>
-          </a:pPr>
-          <a:r>
-            <a:rPr lang="en-US" sz="3300" i="0" kern="1200" dirty="0" smtClean="0"/>
-            <a:t>Improve the accuracy of document frequency with the help of Zero Anaphor</a:t>
-          </a:r>
-          <a:endParaRPr lang="zh-TW" sz="3300" i="0" kern="1200" dirty="0">
-            <a:ea typeface="+mn-ea"/>
-            <a:cs typeface="+mn-cs"/>
-          </a:endParaRPr>
-        </a:p>
-      </dsp:txBody>
-      <dsp:txXfrm rot="5400000">
-        <a:off x="4190352" y="914399"/>
-        <a:ext cx="4037005" cy="2743200"/>
-      </dsp:txXfrm>
-    </dsp:sp>
   </dsp:spTree>
 </dsp:drawing>
 </file>
@@ -19636,7 +19414,7 @@
           </a:lstStyle>
           <a:p>
             <a:fld id="{925A17EF-115B-4BB9-BF42-426DFD9E898A}" type="datetimeFigureOut">
-              <a:t>2016/8/18</a:t>
+              <a:t>2016/8/25</a:t>
             </a:fld>
             <a:endParaRPr lang="zh-TW"/>
           </a:p>
@@ -20122,7 +19900,7 @@
             <a:pPr algn="r"/>
             <a:fld id="{A2E209FB-7A34-414B-812A-BCC5C4256F49}" type="datetime1">
               <a:pPr algn="r"/>
-              <a:t>2016/8/18</a:t>
+              <a:t>2016/8/25</a:t>
             </a:fld>
             <a:endParaRPr lang="zh-TW" sz="1000"/>
           </a:p>
@@ -20347,7 +20125,7 @@
           <a:p>
             <a:fld id="{543322F5-8315-491F-87B4-2E3F0268E3B6}" type="datetime1">
               <a:pPr/>
-              <a:t>2016/8/18</a:t>
+              <a:t>2016/8/25</a:t>
             </a:fld>
             <a:endParaRPr lang="zh-TW"/>
           </a:p>
@@ -20600,7 +20378,7 @@
           <a:p>
             <a:fld id="{CAC850C8-E7C9-4F2C-A162-59CF68B1B13C}" type="datetime1">
               <a:pPr/>
-              <a:t>2016/8/18</a:t>
+              <a:t>2016/8/25</a:t>
             </a:fld>
             <a:endParaRPr lang="zh-TW"/>
           </a:p>
@@ -21115,7 +20893,7 @@
           <a:p>
             <a:fld id="{E2E9192D-7D89-47BF-B02C-29AE4CEF5323}" type="datetime1">
               <a:pPr/>
-              <a:t>2016/8/18</a:t>
+              <a:t>2016/8/25</a:t>
             </a:fld>
             <a:endParaRPr lang="zh-TW"/>
           </a:p>
@@ -21594,7 +21372,7 @@
           <a:p>
             <a:fld id="{4AEBA9AF-F1C1-4FDF-9348-FB02DE1BEFCE}" type="datetime1">
               <a:pPr/>
-              <a:t>2016/8/18</a:t>
+              <a:t>2016/8/25</a:t>
             </a:fld>
             <a:endParaRPr lang="zh-TW"/>
           </a:p>
@@ -21738,7 +21516,7 @@
           <a:p>
             <a:fld id="{4909DCD6-8107-480F-9A5B-88D74ACC9ACE}" type="datetime1">
               <a:pPr/>
-              <a:t>2016/8/18</a:t>
+              <a:t>2016/8/25</a:t>
             </a:fld>
             <a:endParaRPr lang="zh-TW"/>
           </a:p>
@@ -21845,7 +21623,7 @@
           <a:p>
             <a:fld id="{E3C3F34B-1E76-4A74-B05B-C7E9FDCE7086}" type="datetime1">
               <a:pPr/>
-              <a:t>2016/8/18</a:t>
+              <a:t>2016/8/25</a:t>
             </a:fld>
             <a:endParaRPr lang="zh-TW"/>
           </a:p>
@@ -22159,7 +21937,7 @@
           <a:p>
             <a:fld id="{935B0FF7-8660-4A38-9AF0-4D43C21C83DF}" type="datetime1">
               <a:pPr/>
-              <a:t>2016/8/18</a:t>
+              <a:t>2016/8/25</a:t>
             </a:fld>
             <a:endParaRPr lang="zh-TW" sz="900"/>
           </a:p>
@@ -22448,7 +22226,7 @@
           <a:p>
             <a:fld id="{2116474E-A1D6-4691-A6B1-81478C4043AF}" type="datetime1">
               <a:pPr/>
-              <a:t>2016/8/18</a:t>
+              <a:t>2016/8/25</a:t>
             </a:fld>
             <a:endParaRPr lang="zh-TW" sz="900"/>
           </a:p>
@@ -22866,7 +22644,7 @@
           <a:p>
             <a:fld id="{64072A0B-F28E-4A8A-BF94-4A452569ADAF}" type="datetime1">
               <a:pPr/>
-              <a:t>2016/8/18</a:t>
+              <a:t>2016/8/25</a:t>
             </a:fld>
             <a:endParaRPr lang="zh-TW" sz="1000" b="0">
               <a:solidFill>
@@ -23436,6 +23214,108 @@
           <a:p>
             <a:r>
               <a:rPr lang="en-US" altLang="zh-TW" dirty="0" smtClean="0"/>
+              <a:t>Steps</a:t>
+            </a:r>
+            <a:endParaRPr lang="zh-TW" dirty="0"/>
+          </a:p>
+        </p:txBody>
+      </p:sp>
+      <p:graphicFrame>
+        <p:nvGraphicFramePr>
+          <p:cNvPr id="5" name="Diagram 4"/>
+          <p:cNvGraphicFramePr>
+            <a:graphicFrameLocks noGrp="1"/>
+          </p:cNvGraphicFramePr>
+          <p:nvPr>
+            <p:ph idx="1"/>
+            <p:extLst>
+              <p:ext uri="{D42A27DB-BD31-4B8C-83A1-F6EECF244321}">
+                <p14:modId xmlns:p14="http://schemas.microsoft.com/office/powerpoint/2010/main" val="3583211265"/>
+              </p:ext>
+            </p:extLst>
+          </p:nvPr>
+        </p:nvGraphicFramePr>
+        <p:xfrm>
+          <a:off x="457200" y="1882775"/>
+          <a:ext cx="8229600" cy="4572000"/>
+        </p:xfrm>
+        <a:graphic>
+          <a:graphicData uri="http://schemas.openxmlformats.org/drawingml/2006/diagram">
+            <dgm:relIds xmlns:dgm="http://schemas.openxmlformats.org/drawingml/2006/diagram" xmlns:r="http://schemas.openxmlformats.org/officeDocument/2006/relationships" r:dm="rId2" r:lo="rId3" r:qs="rId4" r:cs="rId5"/>
+          </a:graphicData>
+        </a:graphic>
+      </p:graphicFrame>
+    </p:spTree>
+    <p:extLst>
+      <p:ext uri="{BB962C8B-B14F-4D97-AF65-F5344CB8AC3E}">
+        <p14:creationId xmlns:p14="http://schemas.microsoft.com/office/powerpoint/2010/main" val="1989380315"/>
+      </p:ext>
+    </p:extLst>
+  </p:cSld>
+  <p:clrMapOvr>
+    <a:masterClrMapping/>
+  </p:clrMapOvr>
+  <mc:AlternateContent xmlns:mc="http://schemas.openxmlformats.org/markup-compatibility/2006" xmlns:p14="http://schemas.microsoft.com/office/powerpoint/2010/main">
+    <mc:Choice Requires="p14">
+      <p:transition spd="slow" p14:dur="1200">
+        <p14:prism/>
+      </p:transition>
+    </mc:Choice>
+    <mc:Fallback xmlns="">
+      <p:transition spd="slow">
+        <p:fade/>
+      </p:transition>
+    </mc:Fallback>
+  </mc:AlternateContent>
+  <p:timing>
+    <p:tnLst>
+      <p:par>
+        <p:cTn id="1" dur="indefinite" restart="never" nodeType="tmRoot"/>
+      </p:par>
+    </p:tnLst>
+  </p:timing>
+</p:sld>
+</file>
+
+<file path=ppt/slides/slide11.xml><?xml version="1.0" encoding="utf-8"?>
+<p:sld xmlns:a="http://schemas.openxmlformats.org/drawingml/2006/main" xmlns:r="http://schemas.openxmlformats.org/officeDocument/2006/relationships" xmlns:p="http://schemas.openxmlformats.org/presentationml/2006/main">
+  <p:cSld>
+    <p:spTree>
+      <p:nvGrpSpPr>
+        <p:cNvPr id="1" name=""/>
+        <p:cNvGrpSpPr/>
+        <p:nvPr/>
+      </p:nvGrpSpPr>
+      <p:grpSpPr>
+        <a:xfrm>
+          <a:off x="0" y="0"/>
+          <a:ext cx="0" cy="0"/>
+          <a:chOff x="0" y="0"/>
+          <a:chExt cx="0" cy="0"/>
+        </a:xfrm>
+      </p:grpSpPr>
+      <p:sp>
+        <p:nvSpPr>
+          <p:cNvPr id="2" name="Rectangle 1"/>
+          <p:cNvSpPr>
+            <a:spLocks noGrp="1"/>
+          </p:cNvSpPr>
+          <p:nvPr>
+            <p:ph type="title"/>
+          </p:nvPr>
+        </p:nvSpPr>
+        <p:spPr>
+          <a:xfrm>
+            <a:off x="457200" y="268288"/>
+            <a:ext cx="8229600" cy="1398587"/>
+          </a:xfrm>
+        </p:spPr>
+        <p:txBody>
+          <a:bodyPr/>
+          <a:lstStyle/>
+          <a:p>
+            <a:r>
+              <a:rPr lang="en-US" altLang="zh-TW" dirty="0" smtClean="0"/>
               <a:t>Extraction Rules</a:t>
             </a:r>
             <a:endParaRPr lang="zh-TW" dirty="0"/>
@@ -23503,7 +23383,7 @@
 </p:sld>
 </file>
 
-<file path=ppt/slides/slide11.xml><?xml version="1.0" encoding="utf-8"?>
+<file path=ppt/slides/slide12.xml><?xml version="1.0" encoding="utf-8"?>
 <p:sld xmlns:a="http://schemas.openxmlformats.org/drawingml/2006/main" xmlns:r="http://schemas.openxmlformats.org/officeDocument/2006/relationships" xmlns:p="http://schemas.openxmlformats.org/presentationml/2006/main">
   <p:cSld>
     <p:spTree>
@@ -23942,7 +23822,7 @@
 </p:sld>
 </file>
 
-<file path=ppt/slides/slide12.xml><?xml version="1.0" encoding="utf-8"?>
+<file path=ppt/slides/slide13.xml><?xml version="1.0" encoding="utf-8"?>
 <p:sld xmlns:a="http://schemas.openxmlformats.org/drawingml/2006/main" xmlns:r="http://schemas.openxmlformats.org/officeDocument/2006/relationships" xmlns:p="http://schemas.openxmlformats.org/presentationml/2006/main">
   <p:cSld>
     <p:spTree>
@@ -24666,7 +24546,159 @@
 </p:sld>
 </file>
 
-<file path=ppt/slides/slide13.xml><?xml version="1.0" encoding="utf-8"?>
+<file path=ppt/slides/slide14.xml><?xml version="1.0" encoding="utf-8"?>
+<p:sld xmlns:a="http://schemas.openxmlformats.org/drawingml/2006/main" xmlns:r="http://schemas.openxmlformats.org/officeDocument/2006/relationships" xmlns:p="http://schemas.openxmlformats.org/presentationml/2006/main">
+  <p:cSld>
+    <p:spTree>
+      <p:nvGrpSpPr>
+        <p:cNvPr id="1" name=""/>
+        <p:cNvGrpSpPr/>
+        <p:nvPr/>
+      </p:nvGrpSpPr>
+      <p:grpSpPr>
+        <a:xfrm>
+          <a:off x="0" y="0"/>
+          <a:ext cx="0" cy="0"/>
+          <a:chOff x="0" y="0"/>
+          <a:chExt cx="0" cy="0"/>
+        </a:xfrm>
+      </p:grpSpPr>
+      <p:sp>
+        <p:nvSpPr>
+          <p:cNvPr id="2" name="Rectangle 1"/>
+          <p:cNvSpPr>
+            <a:spLocks noGrp="1"/>
+          </p:cNvSpPr>
+          <p:nvPr>
+            <p:ph type="title"/>
+          </p:nvPr>
+        </p:nvSpPr>
+        <p:spPr>
+          <a:xfrm>
+            <a:off x="457200" y="268288"/>
+            <a:ext cx="8229600" cy="1398587"/>
+          </a:xfrm>
+        </p:spPr>
+        <p:txBody>
+          <a:bodyPr/>
+          <a:lstStyle/>
+          <a:p>
+            <a:r>
+              <a:rPr lang="en-US" altLang="zh-TW" dirty="0"/>
+              <a:t>Modification of Extraction Rules</a:t>
+            </a:r>
+            <a:endParaRPr lang="zh-TW" dirty="0"/>
+          </a:p>
+        </p:txBody>
+      </p:sp>
+      <p:sp>
+        <p:nvSpPr>
+          <p:cNvPr id="3" name="內容版面配置區 2"/>
+          <p:cNvSpPr>
+            <a:spLocks noGrp="1"/>
+          </p:cNvSpPr>
+          <p:nvPr>
+            <p:ph idx="1"/>
+          </p:nvPr>
+        </p:nvSpPr>
+        <p:spPr>
+          <a:xfrm>
+            <a:off x="457200" y="1882808"/>
+            <a:ext cx="8363272" cy="4572000"/>
+          </a:xfrm>
+        </p:spPr>
+        <p:txBody>
+          <a:bodyPr>
+            <a:normAutofit/>
+          </a:bodyPr>
+          <a:lstStyle/>
+          <a:p>
+            <a:pPr lvl="1"/>
+            <a:r>
+              <a:rPr lang="en-US" altLang="zh-TW" sz="1800" dirty="0" err="1" smtClean="0">
+                <a:latin typeface="Consolas" panose="020B0609020204030204" pitchFamily="49" charset="0"/>
+                <a:cs typeface="Consolas" panose="020B0609020204030204" pitchFamily="49" charset="0"/>
+              </a:rPr>
+              <a:t>tool.OntologyController</a:t>
+            </a:r>
+            <a:r>
+              <a:rPr lang="en-US" altLang="zh-TW" sz="1800" dirty="0" smtClean="0">
+                <a:latin typeface="Consolas" panose="020B0609020204030204" pitchFamily="49" charset="0"/>
+                <a:cs typeface="Consolas" panose="020B0609020204030204" pitchFamily="49" charset="0"/>
+              </a:rPr>
+              <a:t>	</a:t>
+            </a:r>
+            <a:r>
+              <a:rPr lang="en-US" altLang="zh-TW" sz="1800" dirty="0" smtClean="0">
+                <a:latin typeface="Consolas" panose="020B0609020204030204" pitchFamily="49" charset="0"/>
+                <a:cs typeface="Consolas" panose="020B0609020204030204" pitchFamily="49" charset="0"/>
+              </a:rPr>
+              <a:t>Line 62</a:t>
+            </a:r>
+            <a:endParaRPr lang="zh-TW" altLang="en-US" sz="1800" dirty="0">
+              <a:latin typeface="Consolas" panose="020B0609020204030204" pitchFamily="49" charset="0"/>
+              <a:cs typeface="Consolas" panose="020B0609020204030204" pitchFamily="49" charset="0"/>
+            </a:endParaRPr>
+          </a:p>
+        </p:txBody>
+      </p:sp>
+      <p:pic>
+        <p:nvPicPr>
+          <p:cNvPr id="5" name="圖片 4"/>
+          <p:cNvPicPr>
+            <a:picLocks noChangeAspect="1"/>
+          </p:cNvPicPr>
+          <p:nvPr/>
+        </p:nvPicPr>
+        <p:blipFill>
+          <a:blip r:embed="rId2"/>
+          <a:stretch>
+            <a:fillRect/>
+          </a:stretch>
+        </p:blipFill>
+        <p:spPr>
+          <a:xfrm>
+            <a:off x="823912" y="2348880"/>
+            <a:ext cx="7496175" cy="4229100"/>
+          </a:xfrm>
+          <a:prstGeom prst="rect">
+            <a:avLst/>
+          </a:prstGeom>
+        </p:spPr>
+      </p:pic>
+    </p:spTree>
+    <p:extLst>
+      <p:ext uri="{BB962C8B-B14F-4D97-AF65-F5344CB8AC3E}">
+        <p14:creationId xmlns:p14="http://schemas.microsoft.com/office/powerpoint/2010/main" val="3503781402"/>
+      </p:ext>
+    </p:extLst>
+  </p:cSld>
+  <p:clrMapOvr>
+    <a:masterClrMapping/>
+  </p:clrMapOvr>
+  <mc:AlternateContent xmlns:mc="http://schemas.openxmlformats.org/markup-compatibility/2006" xmlns:p14="http://schemas.microsoft.com/office/powerpoint/2010/main">
+    <mc:Choice Requires="p14">
+      <p:transition spd="slow" p14:dur="1200">
+        <p14:prism/>
+      </p:transition>
+    </mc:Choice>
+    <mc:Fallback xmlns="">
+      <p:transition spd="slow">
+        <p:fade/>
+      </p:transition>
+    </mc:Fallback>
+  </mc:AlternateContent>
+  <p:timing>
+    <p:tnLst>
+      <p:par>
+        <p:cTn id="1" dur="indefinite" restart="never" nodeType="tmRoot"/>
+      </p:par>
+    </p:tnLst>
+  </p:timing>
+</p:sld>
+</file>
+
+<file path=ppt/slides/slide15.xml><?xml version="1.0" encoding="utf-8"?>
 <p:sld xmlns:a="http://schemas.openxmlformats.org/drawingml/2006/main" xmlns:r="http://schemas.openxmlformats.org/officeDocument/2006/relationships" xmlns:p="http://schemas.openxmlformats.org/presentationml/2006/main">
   <p:cSld>
     <p:spTree>
@@ -24768,7 +24800,7 @@
 </p:sld>
 </file>
 
-<file path=ppt/slides/slide14.xml><?xml version="1.0" encoding="utf-8"?>
+<file path=ppt/slides/slide16.xml><?xml version="1.0" encoding="utf-8"?>
 <p:sld xmlns:a="http://schemas.openxmlformats.org/drawingml/2006/main" xmlns:r="http://schemas.openxmlformats.org/officeDocument/2006/relationships" xmlns:p="http://schemas.openxmlformats.org/presentationml/2006/main">
   <p:cSld>
     <p:spTree>
@@ -24864,7 +24896,7 @@
 </p:sld>
 </file>
 
-<file path=ppt/slides/slide15.xml><?xml version="1.0" encoding="utf-8"?>
+<file path=ppt/slides/slide17.xml><?xml version="1.0" encoding="utf-8"?>
 <p:sld xmlns:a="http://schemas.openxmlformats.org/drawingml/2006/main" xmlns:r="http://schemas.openxmlformats.org/officeDocument/2006/relationships" xmlns:p="http://schemas.openxmlformats.org/presentationml/2006/main">
   <p:cSld>
     <p:spTree>
@@ -24903,11 +24935,7 @@
           <a:p>
             <a:r>
               <a:rPr lang="en-US" altLang="zh-TW" dirty="0" smtClean="0"/>
-              <a:t>Future </a:t>
-            </a:r>
-            <a:r>
-              <a:rPr lang="en-US" altLang="zh-TW" dirty="0" smtClean="0"/>
-              <a:t>Goals</a:t>
+              <a:t>Future Goals</a:t>
             </a:r>
             <a:endParaRPr lang="zh-TW" dirty="0"/>
           </a:p>
@@ -24965,7 +24993,7 @@
 </p:sld>
 </file>
 
-<file path=ppt/slides/slide16.xml><?xml version="1.0" encoding="utf-8"?>
+<file path=ppt/slides/slide18.xml><?xml version="1.0" encoding="utf-8"?>
 <p:sld xmlns:a="http://schemas.openxmlformats.org/drawingml/2006/main" xmlns:r="http://schemas.openxmlformats.org/officeDocument/2006/relationships" xmlns:p="http://schemas.openxmlformats.org/presentationml/2006/main">
   <p:cSld>
     <p:spTree>
@@ -25159,7 +25187,7 @@
 </p:sld>
 </file>
 
-<file path=ppt/slides/slide17.xml><?xml version="1.0" encoding="utf-8"?>
+<file path=ppt/slides/slide19.xml><?xml version="1.0" encoding="utf-8"?>
 <p:sld xmlns:a="http://schemas.openxmlformats.org/drawingml/2006/main" xmlns:r="http://schemas.openxmlformats.org/officeDocument/2006/relationships" xmlns:p="http://schemas.openxmlformats.org/presentationml/2006/main">
   <p:cSld>
     <p:spTree>
@@ -25624,8 +25652,8 @@
           </a:p>
         </p:txBody>
       </p:sp>
-      <mc:AlternateContent xmlns:mc="http://schemas.openxmlformats.org/markup-compatibility/2006">
-        <mc:Choice xmlns:a14="http://schemas.microsoft.com/office/drawing/2010/main" Requires="a14">
+      <mc:AlternateContent xmlns:mc="http://schemas.openxmlformats.org/markup-compatibility/2006" xmlns:a14="http://schemas.microsoft.com/office/drawing/2010/main">
+        <mc:Choice Requires="a14">
           <p:graphicFrame>
             <p:nvGraphicFramePr>
               <p:cNvPr id="4" name="Diagram 3"/>
@@ -25652,7 +25680,7 @@
             </a:graphic>
           </p:graphicFrame>
         </mc:Choice>
-        <mc:Fallback>
+        <mc:Fallback xmlns="">
           <p:graphicFrame>
             <p:nvGraphicFramePr>
               <p:cNvPr id="4" name="Diagram 3"/>
@@ -25674,7 +25702,7 @@
             </p:xfrm>
             <a:graphic>
               <a:graphicData uri="http://schemas.openxmlformats.org/drawingml/2006/diagram">
-                <dgm:relIds xmlns:dgm="http://schemas.openxmlformats.org/drawingml/2006/diagram" xmlns:r="http://schemas.openxmlformats.org/officeDocument/2006/relationships" r:dm="rId7" r:lo="rId3" r:qs="rId4" r:cs="rId5"/>
+                <dgm:relIds xmlns:dgm="http://schemas.openxmlformats.org/drawingml/2006/diagram" xmlns:r="http://schemas.openxmlformats.org/officeDocument/2006/relationships" r:dm="rId7" r:lo="rId8" r:qs="rId9" r:cs="rId10"/>
               </a:graphicData>
             </a:graphic>
           </p:graphicFrame>
@@ -25859,553 +25887,81 @@
           </a:p>
         </p:txBody>
       </p:sp>
-      <mc:AlternateContent xmlns:mc="http://schemas.openxmlformats.org/markup-compatibility/2006" xmlns:a14="http://schemas.microsoft.com/office/drawing/2010/main">
-        <mc:Choice Requires="a14">
-          <p:sp>
-            <p:nvSpPr>
-              <p:cNvPr id="3" name="內容版面配置區 2"/>
-              <p:cNvSpPr>
-                <a:spLocks noGrp="1"/>
-              </p:cNvSpPr>
-              <p:nvPr>
-                <p:ph idx="1"/>
-              </p:nvPr>
-            </p:nvSpPr>
-            <p:spPr>
-              <a:xfrm>
-                <a:off x="457200" y="1882808"/>
-                <a:ext cx="8363272" cy="4572000"/>
-              </a:xfrm>
-            </p:spPr>
-            <p:txBody>
-              <a:bodyPr/>
-              <a:lstStyle/>
-              <a:p>
-                <a:r>
-                  <a:rPr lang="en-US" altLang="zh-TW" dirty="0" smtClean="0"/>
-                  <a:t>Examples</a:t>
-                </a:r>
-              </a:p>
-              <a:p>
-                <a:pPr lvl="1"/>
-                <a:endParaRPr lang="en-US" altLang="zh-TW" sz="1600" dirty="0" smtClean="0"/>
-              </a:p>
-              <a:p>
-                <a:pPr lvl="1"/>
-                <a:r>
-                  <a:rPr lang="zh-TW" altLang="en-US" sz="1600" dirty="0" smtClean="0"/>
-                  <a:t>攔住 </a:t>
-                </a:r>
-                <a14:m>
-                  <m:oMath xmlns:m="http://schemas.openxmlformats.org/officeDocument/2006/math">
-                    <m:r>
-                      <a:rPr lang="zh-TW" altLang="en-US" sz="1600" i="1" smtClean="0">
-                        <a:latin typeface="Cambria Math" panose="02040503050406030204" pitchFamily="18" charset="0"/>
-                      </a:rPr>
-                      <m:t>∈</m:t>
-                    </m:r>
-                  </m:oMath>
-                </a14:m>
-                <a:r>
-                  <a:rPr lang="en-US" altLang="zh-TW" sz="1600" dirty="0" smtClean="0"/>
-                  <a:t> </a:t>
-                </a:r>
-                <a:r>
-                  <a:rPr lang="zh-TW" altLang="en-US" sz="1600" dirty="0" smtClean="0"/>
-                  <a:t>阻止</a:t>
-                </a:r>
-                <a:r>
-                  <a:rPr lang="en-US" altLang="zh-TW" sz="1600" dirty="0" smtClean="0"/>
-                  <a:t>, </a:t>
-                </a:r>
-                <a:r>
-                  <a:rPr lang="zh-TW" altLang="en-US" sz="1600" dirty="0" smtClean="0"/>
-                  <a:t>抵制 </a:t>
-                </a:r>
-                <a14:m>
-                  <m:oMath xmlns:m="http://schemas.openxmlformats.org/officeDocument/2006/math">
-                    <m:r>
-                      <a:rPr lang="zh-TW" altLang="en-US" sz="1600" i="1">
-                        <a:latin typeface="Cambria Math" panose="02040503050406030204" pitchFamily="18" charset="0"/>
-                      </a:rPr>
-                      <m:t>∈</m:t>
-                    </m:r>
-                  </m:oMath>
-                </a14:m>
-                <a:r>
-                  <a:rPr lang="en-US" altLang="zh-TW" sz="1600" dirty="0"/>
-                  <a:t> </a:t>
-                </a:r>
-                <a:r>
-                  <a:rPr lang="zh-TW" altLang="en-US" sz="1600" dirty="0" smtClean="0"/>
-                  <a:t>阻止 </a:t>
-                </a:r>
-                <a14:m>
-                  <m:oMath xmlns:m="http://schemas.openxmlformats.org/officeDocument/2006/math">
-                    <m:r>
-                      <a:rPr lang="zh-TW" altLang="en-US" sz="1600" i="1" dirty="0" smtClean="0">
-                        <a:latin typeface="Cambria Math" panose="02040503050406030204" pitchFamily="18" charset="0"/>
-                      </a:rPr>
-                      <m:t>→</m:t>
-                    </m:r>
-                  </m:oMath>
-                </a14:m>
-                <a:r>
-                  <a:rPr lang="zh-TW" altLang="en-US" sz="1600" dirty="0" smtClean="0"/>
-                  <a:t> 攔住 </a:t>
-                </a:r>
-                <a14:m>
-                  <m:oMath xmlns:m="http://schemas.openxmlformats.org/officeDocument/2006/math">
-                    <m:r>
-                      <a:rPr lang="en-US" altLang="zh-TW" sz="1600" i="1" dirty="0" smtClean="0">
-                        <a:latin typeface="Cambria Math" panose="02040503050406030204" pitchFamily="18" charset="0"/>
-                        <a:ea typeface="Cambria Math" panose="02040503050406030204" pitchFamily="18" charset="0"/>
-                      </a:rPr>
-                      <m:t>=</m:t>
-                    </m:r>
-                  </m:oMath>
-                </a14:m>
-                <a:r>
-                  <a:rPr lang="zh-TW" altLang="en-US" sz="1600" dirty="0" smtClean="0"/>
-                  <a:t> 抵制</a:t>
-                </a:r>
-                <a:endParaRPr lang="en-US" altLang="zh-TW" sz="1600" dirty="0" smtClean="0"/>
-              </a:p>
-              <a:p>
-                <a:pPr lvl="1"/>
-                <a:endParaRPr lang="en-US" altLang="zh-TW" sz="1600" dirty="0" smtClean="0"/>
-              </a:p>
-              <a:p>
-                <a:pPr lvl="1"/>
-                <a:r>
-                  <a:rPr lang="zh-TW" altLang="en-US" sz="1600" dirty="0"/>
-                  <a:t>事務</a:t>
-                </a:r>
-                <a:r>
-                  <a:rPr lang="zh-TW" altLang="en-US" sz="1600" dirty="0" smtClean="0"/>
-                  <a:t> </a:t>
-                </a:r>
-                <a14:m>
-                  <m:oMath xmlns:m="http://schemas.openxmlformats.org/officeDocument/2006/math">
-                    <m:r>
-                      <a:rPr lang="zh-TW" altLang="en-US" sz="1600" i="1">
-                        <a:latin typeface="Cambria Math" panose="02040503050406030204" pitchFamily="18" charset="0"/>
-                      </a:rPr>
-                      <m:t>∈</m:t>
-                    </m:r>
-                  </m:oMath>
-                </a14:m>
-                <a:r>
-                  <a:rPr lang="en-US" altLang="zh-TW" sz="1600" dirty="0"/>
-                  <a:t> </a:t>
-                </a:r>
-                <a:r>
-                  <a:rPr lang="zh-TW" altLang="en-US" sz="1600" dirty="0" smtClean="0"/>
-                  <a:t>物體</a:t>
-                </a:r>
-                <a:r>
-                  <a:rPr lang="en-US" altLang="zh-TW" sz="1600" dirty="0" smtClean="0"/>
-                  <a:t>,</a:t>
-                </a:r>
-                <a:r>
-                  <a:rPr lang="zh-TW" altLang="en-US" sz="1600" dirty="0" smtClean="0"/>
-                  <a:t> 內</a:t>
-                </a:r>
-                <a14:m>
-                  <m:oMath xmlns:m="http://schemas.openxmlformats.org/officeDocument/2006/math">
-                    <m:r>
-                      <a:rPr lang="zh-TW" altLang="en-US" sz="1600" i="1" smtClean="0">
-                        <a:latin typeface="Cambria Math" panose="02040503050406030204" pitchFamily="18" charset="0"/>
-                      </a:rPr>
-                      <m:t>部</m:t>
-                    </m:r>
-                    <m:r>
-                      <a:rPr lang="zh-TW" altLang="en-US" sz="1600" i="1">
-                        <a:latin typeface="Cambria Math" panose="02040503050406030204" pitchFamily="18" charset="0"/>
-                      </a:rPr>
-                      <m:t>∈</m:t>
-                    </m:r>
-                  </m:oMath>
-                </a14:m>
-                <a:r>
-                  <a:rPr lang="en-US" altLang="zh-TW" sz="1600" dirty="0"/>
-                  <a:t> </a:t>
-                </a:r>
-                <a:r>
-                  <a:rPr lang="zh-TW" altLang="en-US" sz="1600" dirty="0" smtClean="0"/>
-                  <a:t>物體 </a:t>
-                </a:r>
-                <a14:m>
-                  <m:oMath xmlns:m="http://schemas.openxmlformats.org/officeDocument/2006/math">
-                    <m:r>
-                      <a:rPr lang="zh-TW" altLang="en-US" sz="1600" i="1" dirty="0">
-                        <a:latin typeface="Cambria Math" panose="02040503050406030204" pitchFamily="18" charset="0"/>
-                      </a:rPr>
-                      <m:t>→</m:t>
-                    </m:r>
-                  </m:oMath>
-                </a14:m>
-                <a:r>
-                  <a:rPr lang="zh-TW" altLang="en-US" sz="1600" dirty="0"/>
-                  <a:t> </a:t>
-                </a:r>
-                <a:r>
-                  <a:rPr lang="zh-TW" altLang="en-US" sz="1600" dirty="0" smtClean="0"/>
-                  <a:t>事務 </a:t>
-                </a:r>
-                <a14:m>
-                  <m:oMath xmlns:m="http://schemas.openxmlformats.org/officeDocument/2006/math">
-                    <m:r>
-                      <a:rPr lang="en-US" altLang="zh-TW" sz="1600" i="1" dirty="0">
-                        <a:latin typeface="Cambria Math" panose="02040503050406030204" pitchFamily="18" charset="0"/>
-                        <a:ea typeface="Cambria Math" panose="02040503050406030204" pitchFamily="18" charset="0"/>
-                      </a:rPr>
-                      <m:t>=</m:t>
-                    </m:r>
-                  </m:oMath>
-                </a14:m>
-                <a:r>
-                  <a:rPr lang="zh-TW" altLang="en-US" sz="1600" dirty="0"/>
-                  <a:t> </a:t>
-                </a:r>
-                <a:r>
-                  <a:rPr lang="zh-TW" altLang="en-US" sz="1600" dirty="0" smtClean="0"/>
-                  <a:t>內部</a:t>
-                </a:r>
-                <a:endParaRPr lang="en-US" altLang="zh-TW" sz="1600" dirty="0"/>
-              </a:p>
-              <a:p>
-                <a:pPr lvl="1"/>
-                <a:endParaRPr lang="en-US" altLang="zh-TW" sz="1600" dirty="0"/>
-              </a:p>
-              <a:p>
-                <a:r>
-                  <a:rPr lang="en-US" altLang="zh-TW" dirty="0" smtClean="0"/>
-                  <a:t>Consider the number of Hyponyms</a:t>
-                </a:r>
-              </a:p>
-              <a:p>
-                <a:pPr lvl="1"/>
-                <a:endParaRPr lang="en-US" altLang="zh-TW" sz="1600" b="0" dirty="0" smtClean="0"/>
-              </a:p>
-              <a:p>
-                <a:pPr lvl="1"/>
-                <a:r>
-                  <a:rPr lang="en-US" altLang="zh-TW" sz="1600" b="0" dirty="0" smtClean="0"/>
-                  <a:t>Let </a:t>
-                </a:r>
-                <a14:m>
-                  <m:oMath xmlns:m="http://schemas.openxmlformats.org/officeDocument/2006/math">
-                    <m:r>
-                      <a:rPr lang="en-US" altLang="zh-TW" sz="1600" b="0" i="1" smtClean="0">
-                        <a:latin typeface="Cambria Math" panose="02040503050406030204" pitchFamily="18" charset="0"/>
-                      </a:rPr>
-                      <m:t>h</m:t>
-                    </m:r>
-                  </m:oMath>
-                </a14:m>
-                <a:r>
-                  <a:rPr lang="en-US" altLang="zh-TW" sz="1600" dirty="0" smtClean="0"/>
-                  <a:t> denotes </a:t>
-                </a:r>
-                <a:r>
-                  <a:rPr lang="en-US" altLang="zh-TW" sz="1600" dirty="0"/>
-                  <a:t>the </a:t>
-                </a:r>
-                <a:r>
-                  <a:rPr lang="en-US" altLang="zh-TW" sz="1600" dirty="0" err="1"/>
-                  <a:t>hypernym</a:t>
-                </a:r>
-                <a:r>
-                  <a:rPr lang="en-US" altLang="zh-TW" sz="1600" dirty="0"/>
-                  <a:t> </a:t>
-                </a:r>
-                <a:r>
-                  <a:rPr lang="en-US" altLang="zh-TW" sz="1600" dirty="0" smtClean="0"/>
-                  <a:t>of word </a:t>
-                </a:r>
-                <a14:m>
-                  <m:oMath xmlns:m="http://schemas.openxmlformats.org/officeDocument/2006/math">
-                    <m:sSub>
-                      <m:sSubPr>
-                        <m:ctrlPr>
-                          <a:rPr lang="en-US" altLang="zh-TW" sz="1600" i="1">
-                            <a:latin typeface="Cambria Math" panose="02040503050406030204" pitchFamily="18" charset="0"/>
-                          </a:rPr>
-                        </m:ctrlPr>
-                      </m:sSubPr>
-                      <m:e>
-                        <m:r>
-                          <a:rPr lang="en-US" altLang="zh-TW" sz="1600" b="0" i="1" smtClean="0">
-                            <a:latin typeface="Cambria Math" panose="02040503050406030204" pitchFamily="18" charset="0"/>
-                          </a:rPr>
-                          <m:t>𝑤</m:t>
-                        </m:r>
-                      </m:e>
-                      <m:sub>
-                        <m:r>
-                          <a:rPr lang="en-US" altLang="zh-TW" sz="1600" i="1">
-                            <a:latin typeface="Cambria Math" panose="02040503050406030204" pitchFamily="18" charset="0"/>
-                          </a:rPr>
-                          <m:t>𝑖</m:t>
-                        </m:r>
-                      </m:sub>
-                    </m:sSub>
-                  </m:oMath>
-                </a14:m>
-                <a:r>
-                  <a:rPr lang="en-US" altLang="zh-TW" sz="1600" dirty="0" smtClean="0"/>
-                  <a:t> and </a:t>
-                </a:r>
-                <a14:m>
-                  <m:oMath xmlns:m="http://schemas.openxmlformats.org/officeDocument/2006/math">
-                    <m:sSub>
-                      <m:sSubPr>
-                        <m:ctrlPr>
-                          <a:rPr lang="en-US" altLang="zh-TW" sz="1600" i="1">
-                            <a:latin typeface="Cambria Math" panose="02040503050406030204" pitchFamily="18" charset="0"/>
-                          </a:rPr>
-                        </m:ctrlPr>
-                      </m:sSubPr>
-                      <m:e>
-                        <m:r>
-                          <a:rPr lang="en-US" altLang="zh-TW" sz="1600" b="0" i="1" smtClean="0">
-                            <a:latin typeface="Cambria Math" panose="02040503050406030204" pitchFamily="18" charset="0"/>
-                          </a:rPr>
-                          <m:t>𝑤</m:t>
-                        </m:r>
-                      </m:e>
-                      <m:sub>
-                        <m:r>
-                          <a:rPr lang="en-US" altLang="zh-TW" sz="1600" b="0" i="1" smtClean="0">
-                            <a:latin typeface="Cambria Math" panose="02040503050406030204" pitchFamily="18" charset="0"/>
-                          </a:rPr>
-                          <m:t>𝑗</m:t>
-                        </m:r>
-                      </m:sub>
-                    </m:sSub>
-                  </m:oMath>
-                </a14:m>
-                <a:endParaRPr lang="en-US" altLang="zh-TW" sz="1600" dirty="0" smtClean="0"/>
-              </a:p>
-              <a:p>
-                <a:pPr lvl="1"/>
-                <a:endParaRPr lang="en-US" altLang="zh-TW" sz="1600" dirty="0" smtClean="0"/>
-              </a:p>
-              <a:p>
-                <a:pPr lvl="1"/>
-                <a14:m>
-                  <m:oMath xmlns:m="http://schemas.openxmlformats.org/officeDocument/2006/math">
-                    <m:sSub>
-                      <m:sSubPr>
-                        <m:ctrlPr>
-                          <a:rPr lang="en-US" altLang="zh-TW" sz="1600" i="1">
-                            <a:latin typeface="Cambria Math" panose="02040503050406030204" pitchFamily="18" charset="0"/>
-                          </a:rPr>
-                        </m:ctrlPr>
-                      </m:sSubPr>
-                      <m:e>
-                        <m:r>
-                          <a:rPr lang="en-US" altLang="zh-TW" sz="1600" i="1">
-                            <a:latin typeface="Cambria Math" panose="02040503050406030204" pitchFamily="18" charset="0"/>
-                          </a:rPr>
-                          <m:t>𝑤</m:t>
-                        </m:r>
-                      </m:e>
-                      <m:sub>
-                        <m:r>
-                          <a:rPr lang="en-US" altLang="zh-TW" sz="1600" i="1">
-                            <a:latin typeface="Cambria Math" panose="02040503050406030204" pitchFamily="18" charset="0"/>
-                          </a:rPr>
-                          <m:t>𝑖</m:t>
-                        </m:r>
-                      </m:sub>
-                    </m:sSub>
-                    <m:r>
-                      <a:rPr lang="en-US" altLang="zh-TW" sz="1600" b="0" i="0" smtClean="0">
-                        <a:latin typeface="Cambria Math" panose="02040503050406030204" pitchFamily="18" charset="0"/>
-                      </a:rPr>
-                      <m:t>=</m:t>
-                    </m:r>
-                    <m:sSub>
-                      <m:sSubPr>
-                        <m:ctrlPr>
-                          <a:rPr lang="en-US" altLang="zh-TW" sz="1600" i="1">
-                            <a:latin typeface="Cambria Math" panose="02040503050406030204" pitchFamily="18" charset="0"/>
-                          </a:rPr>
-                        </m:ctrlPr>
-                      </m:sSubPr>
-                      <m:e>
-                        <m:r>
-                          <a:rPr lang="en-US" altLang="zh-TW" sz="1600" i="1">
-                            <a:latin typeface="Cambria Math" panose="02040503050406030204" pitchFamily="18" charset="0"/>
-                          </a:rPr>
-                          <m:t>𝑤</m:t>
-                        </m:r>
-                      </m:e>
-                      <m:sub>
-                        <m:r>
-                          <a:rPr lang="en-US" altLang="zh-TW" sz="1600" b="0" i="1" smtClean="0">
-                            <a:latin typeface="Cambria Math" panose="02040503050406030204" pitchFamily="18" charset="0"/>
-                          </a:rPr>
-                          <m:t>𝑗</m:t>
-                        </m:r>
-                      </m:sub>
-                    </m:sSub>
-                  </m:oMath>
-                </a14:m>
-                <a:r>
-                  <a:rPr lang="en-US" altLang="zh-TW" sz="1600" dirty="0" smtClean="0"/>
-                  <a:t> if and only if </a:t>
-                </a:r>
-                <a14:m>
-                  <m:oMath xmlns:m="http://schemas.openxmlformats.org/officeDocument/2006/math">
-                    <m:r>
-                      <a:rPr lang="en-US" altLang="zh-TW" sz="1600" i="1">
-                        <a:latin typeface="Cambria Math" panose="02040503050406030204" pitchFamily="18" charset="0"/>
-                      </a:rPr>
-                      <m:t> </m:t>
-                    </m:r>
-                    <m:r>
-                      <a:rPr lang="en-US" altLang="zh-TW" sz="1600" i="1">
-                        <a:latin typeface="Cambria Math" panose="02040503050406030204" pitchFamily="18" charset="0"/>
-                      </a:rPr>
-                      <m:t>𝑠𝑖𝑧𝑒</m:t>
-                    </m:r>
-                    <m:d>
-                      <m:dPr>
-                        <m:ctrlPr>
-                          <a:rPr lang="en-US" altLang="zh-TW" sz="1600" i="1">
-                            <a:latin typeface="Cambria Math" panose="02040503050406030204" pitchFamily="18" charset="0"/>
-                          </a:rPr>
-                        </m:ctrlPr>
-                      </m:dPr>
-                      <m:e>
-                        <m:r>
-                          <a:rPr lang="en-US" altLang="zh-TW" sz="1600" b="0" i="1" smtClean="0">
-                            <a:latin typeface="Cambria Math" panose="02040503050406030204" pitchFamily="18" charset="0"/>
-                          </a:rPr>
-                          <m:t>h</m:t>
-                        </m:r>
-                        <m:r>
-                          <a:rPr lang="en-US" altLang="zh-TW" sz="1600" i="1">
-                            <a:latin typeface="Cambria Math" panose="02040503050406030204" pitchFamily="18" charset="0"/>
-                          </a:rPr>
-                          <m:t>.</m:t>
-                        </m:r>
-                        <m:r>
-                          <a:rPr lang="en-US" altLang="zh-TW" sz="1600" i="1">
-                            <a:latin typeface="Cambria Math" panose="02040503050406030204" pitchFamily="18" charset="0"/>
-                          </a:rPr>
-                          <m:t>h𝑦𝑝𝑜𝑛𝑦𝑚</m:t>
-                        </m:r>
-                      </m:e>
-                    </m:d>
-                    <m:r>
-                      <a:rPr lang="en-US" altLang="zh-TW" sz="1600" b="0" i="1" smtClean="0">
-                        <a:latin typeface="Cambria Math" panose="02040503050406030204" pitchFamily="18" charset="0"/>
-                      </a:rPr>
-                      <m:t>&lt;</m:t>
-                    </m:r>
-                    <m:r>
-                      <a:rPr lang="en-US" altLang="zh-TW" sz="1600" i="1">
-                        <a:latin typeface="Cambria Math" panose="02040503050406030204" pitchFamily="18" charset="0"/>
-                      </a:rPr>
-                      <m:t>20</m:t>
-                    </m:r>
-                  </m:oMath>
-                </a14:m>
-                <a:endParaRPr lang="en-US" altLang="zh-TW" sz="1600" dirty="0"/>
-              </a:p>
-              <a:p>
-                <a:pPr lvl="1"/>
-                <a:endParaRPr lang="en-US" altLang="zh-TW" dirty="0" smtClean="0"/>
-              </a:p>
-              <a:p>
-                <a:pPr lvl="1"/>
-                <a:endParaRPr lang="zh-TW" altLang="en-US" dirty="0"/>
-              </a:p>
-            </p:txBody>
-          </p:sp>
-        </mc:Choice>
-        <mc:Fallback xmlns="">
-          <p:sp>
-            <p:nvSpPr>
-              <p:cNvPr id="3" name="內容版面配置區 2"/>
-              <p:cNvSpPr>
-                <a:spLocks noGrp="1" noRot="1" noChangeAspect="1" noMove="1" noResize="1" noEditPoints="1" noAdjustHandles="1" noChangeArrowheads="1" noChangeShapeType="1" noTextEdit="1"/>
-              </p:cNvSpPr>
-              <p:nvPr>
-                <p:ph idx="1"/>
-              </p:nvPr>
-            </p:nvSpPr>
-            <p:spPr>
-              <a:xfrm>
-                <a:off x="457200" y="1882808"/>
-                <a:ext cx="8363272" cy="4572000"/>
-              </a:xfrm>
-              <a:blipFill rotWithShape="0">
-                <a:blip r:embed="rId2"/>
-                <a:stretch>
-                  <a:fillRect l="-73" t="-1600"/>
-                </a:stretch>
-              </a:blipFill>
-            </p:spPr>
-            <p:txBody>
-              <a:bodyPr/>
-              <a:lstStyle/>
-              <a:p>
-                <a:r>
-                  <a:rPr lang="zh-TW" altLang="en-US">
-                    <a:noFill/>
-                  </a:rPr>
-                  <a:t> </a:t>
-                </a:r>
-              </a:p>
-            </p:txBody>
-          </p:sp>
-        </mc:Fallback>
-      </mc:AlternateContent>
       <p:sp>
         <p:nvSpPr>
-          <p:cNvPr id="4" name="乘號 3"/>
-          <p:cNvSpPr/>
-          <p:nvPr/>
+          <p:cNvPr id="3" name="內容版面配置區 2"/>
+          <p:cNvSpPr>
+            <a:spLocks noGrp="1"/>
+          </p:cNvSpPr>
+          <p:nvPr>
+            <p:ph idx="1"/>
+          </p:nvPr>
         </p:nvSpPr>
         <p:spPr>
           <a:xfrm>
-            <a:off x="4716016" y="3356992"/>
-            <a:ext cx="432048" cy="360040"/>
+            <a:off x="457200" y="1882808"/>
+            <a:ext cx="8363272" cy="4572000"/>
           </a:xfrm>
-          <a:prstGeom prst="mathMultiply">
+        </p:spPr>
+        <p:txBody>
+          <a:bodyPr>
+            <a:normAutofit/>
+          </a:bodyPr>
+          <a:lstStyle/>
+          <a:p>
+            <a:pPr lvl="1"/>
+            <a:r>
+              <a:rPr lang="en-US" altLang="zh-TW" sz="1800" dirty="0" err="1" smtClean="0">
+                <a:latin typeface="Consolas" panose="020B0609020204030204" pitchFamily="49" charset="0"/>
+                <a:cs typeface="Consolas" panose="020B0609020204030204" pitchFamily="49" charset="0"/>
+              </a:rPr>
+              <a:t>tool.TextController</a:t>
+            </a:r>
+            <a:r>
+              <a:rPr lang="en-US" altLang="zh-TW" sz="1800" dirty="0" smtClean="0">
+                <a:latin typeface="Consolas" panose="020B0609020204030204" pitchFamily="49" charset="0"/>
+                <a:cs typeface="Consolas" panose="020B0609020204030204" pitchFamily="49" charset="0"/>
+              </a:rPr>
+              <a:t>	</a:t>
+            </a:r>
+            <a:r>
+              <a:rPr lang="en-US" altLang="zh-TW" sz="1800" dirty="0" smtClean="0">
+                <a:latin typeface="Consolas" panose="020B0609020204030204" pitchFamily="49" charset="0"/>
+                <a:cs typeface="Consolas" panose="020B0609020204030204" pitchFamily="49" charset="0"/>
+              </a:rPr>
+              <a:t>Line 108</a:t>
+            </a:r>
+            <a:endParaRPr lang="zh-TW" altLang="en-US" sz="1800" dirty="0">
+              <a:latin typeface="Consolas" panose="020B0609020204030204" pitchFamily="49" charset="0"/>
+              <a:cs typeface="Consolas" panose="020B0609020204030204" pitchFamily="49" charset="0"/>
+            </a:endParaRPr>
+          </a:p>
+        </p:txBody>
+      </p:sp>
+      <p:pic>
+        <p:nvPicPr>
+          <p:cNvPr id="5" name="圖片 4"/>
+          <p:cNvPicPr>
+            <a:picLocks noChangeAspect="1"/>
+          </p:cNvPicPr>
+          <p:nvPr/>
+        </p:nvPicPr>
+        <p:blipFill>
+          <a:blip r:embed="rId2"/>
+          <a:stretch>
+            <a:fillRect/>
+          </a:stretch>
+        </p:blipFill>
+        <p:spPr>
+          <a:xfrm>
+            <a:off x="457200" y="2730533"/>
+            <a:ext cx="8334375" cy="2876550"/>
+          </a:xfrm>
+          <a:prstGeom prst="rect">
             <a:avLst/>
           </a:prstGeom>
         </p:spPr>
-        <p:style>
-          <a:lnRef idx="2">
-            <a:schemeClr val="accent1">
-              <a:shade val="50000"/>
-            </a:schemeClr>
-          </a:lnRef>
-          <a:fillRef idx="1">
-            <a:schemeClr val="accent1"/>
-          </a:fillRef>
-          <a:effectRef idx="0">
-            <a:schemeClr val="accent1"/>
-          </a:effectRef>
-          <a:fontRef idx="minor">
-            <a:schemeClr val="lt1"/>
-          </a:fontRef>
-        </p:style>
-        <p:txBody>
-          <a:bodyPr rtlCol="0" anchor="ctr"/>
-          <a:lstStyle/>
-          <a:p>
-            <a:pPr algn="ctr"/>
-            <a:endParaRPr lang="zh-TW" altLang="en-US"/>
-          </a:p>
-        </p:txBody>
-      </p:sp>
+      </p:pic>
     </p:spTree>
     <p:extLst>
       <p:ext uri="{BB962C8B-B14F-4D97-AF65-F5344CB8AC3E}">
@@ -26844,42 +26400,96 @@
           <a:lstStyle/>
           <a:p>
             <a:r>
-              <a:rPr lang="en-US" altLang="zh-TW" dirty="0" smtClean="0"/>
-              <a:t>Steps</a:t>
+              <a:rPr lang="en-US" altLang="zh-TW" dirty="0"/>
+              <a:t>Relationship in </a:t>
+            </a:r>
+            <a:r>
+              <a:rPr lang="en-US" altLang="zh-TW" dirty="0" err="1"/>
+              <a:t>EHowNet</a:t>
             </a:r>
             <a:endParaRPr lang="zh-TW" dirty="0"/>
           </a:p>
         </p:txBody>
       </p:sp>
-      <p:graphicFrame>
-        <p:nvGraphicFramePr>
-          <p:cNvPr id="5" name="Diagram 4"/>
-          <p:cNvGraphicFramePr>
-            <a:graphicFrameLocks noGrp="1"/>
-          </p:cNvGraphicFramePr>
+      <p:sp>
+        <p:nvSpPr>
+          <p:cNvPr id="3" name="內容版面配置區 2"/>
+          <p:cNvSpPr>
+            <a:spLocks noGrp="1"/>
+          </p:cNvSpPr>
           <p:nvPr>
             <p:ph idx="1"/>
-            <p:extLst>
-              <p:ext uri="{D42A27DB-BD31-4B8C-83A1-F6EECF244321}">
-                <p14:modId xmlns:p14="http://schemas.microsoft.com/office/powerpoint/2010/main" val="3583211265"/>
-              </p:ext>
-            </p:extLst>
           </p:nvPr>
-        </p:nvGraphicFramePr>
-        <p:xfrm>
-          <a:off x="457200" y="1882775"/>
-          <a:ext cx="8229600" cy="4572000"/>
-        </p:xfrm>
-        <a:graphic>
-          <a:graphicData uri="http://schemas.openxmlformats.org/drawingml/2006/diagram">
-            <dgm:relIds xmlns:dgm="http://schemas.openxmlformats.org/drawingml/2006/diagram" xmlns:r="http://schemas.openxmlformats.org/officeDocument/2006/relationships" r:dm="rId2" r:lo="rId3" r:qs="rId4" r:cs="rId5"/>
-          </a:graphicData>
-        </a:graphic>
-      </p:graphicFrame>
+        </p:nvSpPr>
+        <p:spPr>
+          <a:xfrm>
+            <a:off x="457200" y="1882808"/>
+            <a:ext cx="8363272" cy="4572000"/>
+          </a:xfrm>
+        </p:spPr>
+        <p:txBody>
+          <a:bodyPr>
+            <a:normAutofit/>
+          </a:bodyPr>
+          <a:lstStyle/>
+          <a:p>
+            <a:pPr lvl="1"/>
+            <a:r>
+              <a:rPr lang="en-US" altLang="zh-TW" sz="1800" dirty="0" err="1" smtClean="0">
+                <a:latin typeface="Consolas" panose="020B0609020204030204" pitchFamily="49" charset="0"/>
+                <a:cs typeface="Consolas" panose="020B0609020204030204" pitchFamily="49" charset="0"/>
+              </a:rPr>
+              <a:t>tool.OntologyController</a:t>
+            </a:r>
+            <a:r>
+              <a:rPr lang="en-US" altLang="zh-TW" sz="1800" dirty="0" smtClean="0">
+                <a:latin typeface="Consolas" panose="020B0609020204030204" pitchFamily="49" charset="0"/>
+                <a:cs typeface="Consolas" panose="020B0609020204030204" pitchFamily="49" charset="0"/>
+              </a:rPr>
+              <a:t>	</a:t>
+            </a:r>
+            <a:r>
+              <a:rPr lang="en-US" altLang="zh-TW" sz="1800" dirty="0" smtClean="0">
+                <a:latin typeface="Consolas" panose="020B0609020204030204" pitchFamily="49" charset="0"/>
+                <a:cs typeface="Consolas" panose="020B0609020204030204" pitchFamily="49" charset="0"/>
+              </a:rPr>
+              <a:t>Line 51</a:t>
+            </a:r>
+            <a:endParaRPr lang="zh-TW" altLang="en-US" sz="1800" dirty="0">
+              <a:latin typeface="Consolas" panose="020B0609020204030204" pitchFamily="49" charset="0"/>
+              <a:cs typeface="Consolas" panose="020B0609020204030204" pitchFamily="49" charset="0"/>
+            </a:endParaRPr>
+          </a:p>
+        </p:txBody>
+      </p:sp>
+      <p:pic>
+        <p:nvPicPr>
+          <p:cNvPr id="4" name="圖片 3"/>
+          <p:cNvPicPr>
+            <a:picLocks noChangeAspect="1"/>
+          </p:cNvPicPr>
+          <p:nvPr/>
+        </p:nvPicPr>
+        <p:blipFill>
+          <a:blip r:embed="rId2"/>
+          <a:stretch>
+            <a:fillRect/>
+          </a:stretch>
+        </p:blipFill>
+        <p:spPr>
+          <a:xfrm>
+            <a:off x="781050" y="2930558"/>
+            <a:ext cx="7581900" cy="2476500"/>
+          </a:xfrm>
+          <a:prstGeom prst="rect">
+            <a:avLst/>
+          </a:prstGeom>
+        </p:spPr>
+      </p:pic>
     </p:spTree>
     <p:extLst>
       <p:ext uri="{BB962C8B-B14F-4D97-AF65-F5344CB8AC3E}">
-        <p14:creationId xmlns:p14="http://schemas.microsoft.com/office/powerpoint/2010/main" val="1989380315"/>
+        <p14:creationId xmlns:p14="http://schemas.microsoft.com/office/powerpoint/2010/main" val="3649270544"/>
       </p:ext>
     </p:extLst>
   </p:cSld>
